--- a/프로젝트 정리.pptx
+++ b/프로젝트 정리.pptx
@@ -1,6 +1,6 @@
 
 <file path=ppt/presentation.xml><?xml version="1.0" encoding="utf-8"?>
-<p:presentation xmlns:a="http://schemas.openxmlformats.org/drawingml/2006/main" xmlns:r="http://schemas.openxmlformats.org/officeDocument/2006/relationships" xmlns:p="http://schemas.openxmlformats.org/presentationml/2006/main" saveSubsetFonts="1">
+<p:presentation xmlns:r="http://schemas.openxmlformats.org/officeDocument/2006/relationships" xmlns:c="http://schemas.openxmlformats.org/drawingml/2006/chart" xmlns:a="http://schemas.openxmlformats.org/drawingml/2006/main" xmlns:dgm="http://schemas.openxmlformats.org/drawingml/2006/diagram" xmlns:dsp="http://schemas.microsoft.com/office/drawing/2008/diagram" xmlns:p="http://schemas.openxmlformats.org/presentationml/2006/main">
   <p:sldMasterIdLst>
     <p:sldMasterId id="2147483648" r:id="rId1"/>
   </p:sldMasterIdLst>
@@ -3689,17 +3689,11 @@
 </file>
 
 <file path=ppt/slides/slide2.xml><?xml version="1.0" encoding="utf-8"?>
-<p:sld xmlns:a="http://schemas.openxmlformats.org/drawingml/2006/main" xmlns:r="http://schemas.openxmlformats.org/officeDocument/2006/relationships" xmlns:p="http://schemas.openxmlformats.org/presentationml/2006/main">
+<p:sld xmlns:r="http://schemas.openxmlformats.org/officeDocument/2006/relationships" xmlns:c="http://schemas.openxmlformats.org/drawingml/2006/chart" xmlns:a="http://schemas.openxmlformats.org/drawingml/2006/main" xmlns:dgm="http://schemas.openxmlformats.org/drawingml/2006/diagram" xmlns:dsp="http://schemas.microsoft.com/office/drawing/2008/diagram" xmlns:p="http://schemas.openxmlformats.org/presentationml/2006/main">
   <p:cSld>
     <p:spTree>
       <p:nvGrpSpPr>
-        <p:cNvPr id="1" name="">
-          <a:extLst>
-            <a:ext uri="{FF2B5EF4-FFF2-40B4-BE49-F238E27FC236}">
-              <a16:creationId xmlns:a16="http://schemas.microsoft.com/office/drawing/2014/main" id="{ABA0D9CB-4F19-0AB0-ED8F-AB27353A68F0}"/>
-            </a:ext>
-          </a:extLst>
-        </p:cNvPr>
+        <p:cNvPr id="1" name=""/>
         <p:cNvGrpSpPr/>
         <p:nvPr/>
       </p:nvGrpSpPr>
@@ -3713,57 +3707,30 @@
       </p:grpSpPr>
       <p:sp>
         <p:nvSpPr>
-          <p:cNvPr id="2" name="Rectangle 1">
-            <a:extLst>
-              <a:ext uri="{FF2B5EF4-FFF2-40B4-BE49-F238E27FC236}">
-                <a16:creationId xmlns:a16="http://schemas.microsoft.com/office/drawing/2014/main" id="{E58E7F12-3765-E610-F3E6-5A860C043941}"/>
-              </a:ext>
-            </a:extLst>
-          </p:cNvPr>
+          <p:cNvPr id="2" name="Rectangle 1"/>
           <p:cNvSpPr>
             <a:spLocks noChangeArrowheads="1"/>
           </p:cNvSpPr>
           <p:nvPr/>
         </p:nvSpPr>
-        <p:spPr bwMode="auto">
+        <p:spPr>
           <a:xfrm>
-            <a:off x="0" y="225591"/>
-            <a:ext cx="12492202" cy="6406817"/>
+            <a:off x="-145790" y="-198178"/>
+            <a:ext cx="12087225" cy="7137336"/>
           </a:xfrm>
           <a:prstGeom prst="rect">
             <a:avLst/>
           </a:prstGeom>
           <a:solidFill>
-            <a:srgbClr val="FFFFFF"/>
+            <a:srgbClr val="ffffff"/>
           </a:solidFill>
           <a:ln>
             <a:noFill/>
           </a:ln>
           <a:effectLst/>
-          <a:extLst>
-            <a:ext uri="{91240B29-F687-4F45-9708-019B960494DF}">
-              <a14:hiddenLine xmlns:a14="http://schemas.microsoft.com/office/drawing/2010/main" w="9525">
-                <a:solidFill>
-                  <a:schemeClr val="tx1"/>
-                </a:solidFill>
-                <a:miter lim="800000"/>
-                <a:headEnd/>
-                <a:tailEnd/>
-              </a14:hiddenLine>
-            </a:ext>
-            <a:ext uri="{AF507438-7753-43E0-B8FC-AC1667EBCBE1}">
-              <a14:hiddenEffects xmlns:a14="http://schemas.microsoft.com/office/drawing/2010/main">
-                <a:effectLst>
-                  <a:outerShdw dist="35921" dir="2700000" algn="ctr" rotWithShape="0">
-                    <a:schemeClr val="bg2"/>
-                  </a:outerShdw>
-                </a:effectLst>
-              </a14:hiddenEffects>
-            </a:ext>
-          </a:extLst>
         </p:spPr>
         <p:txBody>
-          <a:bodyPr vert="horz" wrap="none" lIns="0" tIns="101568" rIns="0" bIns="101568" numCol="1" anchor="ctr" anchorCtr="0" compatLnSpc="1">
+          <a:bodyPr vert="horz" wrap="none" lIns="0" tIns="101568" rIns="0" bIns="101568" anchor="ctr" anchorCtr="0">
             <a:prstTxWarp prst="textNoShape">
               <a:avLst/>
             </a:prstTxWarp>
@@ -3781,7 +3748,7 @@
                 <a:solidFill>
                   <a:schemeClr val="tx1"/>
                 </a:solidFill>
-                <a:latin typeface="Arial" panose="020B0604020202020204" pitchFamily="34" charset="0"/>
+                <a:latin typeface="Arial"/>
               </a:defRPr>
             </a:lvl1pPr>
             <a:lvl2pPr eaLnBrk="0" fontAlgn="base" hangingPunct="0">
@@ -3795,7 +3762,7 @@
                 <a:solidFill>
                   <a:schemeClr val="tx1"/>
                 </a:solidFill>
-                <a:latin typeface="Arial" panose="020B0604020202020204" pitchFamily="34" charset="0"/>
+                <a:latin typeface="Arial"/>
               </a:defRPr>
             </a:lvl2pPr>
             <a:lvl3pPr eaLnBrk="0" fontAlgn="base" hangingPunct="0">
@@ -3809,7 +3776,7 @@
                 <a:solidFill>
                   <a:schemeClr val="tx1"/>
                 </a:solidFill>
-                <a:latin typeface="Arial" panose="020B0604020202020204" pitchFamily="34" charset="0"/>
+                <a:latin typeface="Arial"/>
               </a:defRPr>
             </a:lvl3pPr>
             <a:lvl4pPr eaLnBrk="0" fontAlgn="base" hangingPunct="0">
@@ -3823,7 +3790,7 @@
                 <a:solidFill>
                   <a:schemeClr val="tx1"/>
                 </a:solidFill>
-                <a:latin typeface="Arial" panose="020B0604020202020204" pitchFamily="34" charset="0"/>
+                <a:latin typeface="Arial"/>
               </a:defRPr>
             </a:lvl4pPr>
             <a:lvl5pPr eaLnBrk="0" fontAlgn="base" hangingPunct="0">
@@ -3837,7 +3804,7 @@
                 <a:solidFill>
                   <a:schemeClr val="tx1"/>
                 </a:solidFill>
-                <a:latin typeface="Arial" panose="020B0604020202020204" pitchFamily="34" charset="0"/>
+                <a:latin typeface="Arial"/>
               </a:defRPr>
             </a:lvl5pPr>
             <a:lvl6pPr eaLnBrk="0" fontAlgn="base" hangingPunct="0">
@@ -3851,7 +3818,7 @@
                 <a:solidFill>
                   <a:schemeClr val="tx1"/>
                 </a:solidFill>
-                <a:latin typeface="Arial" panose="020B0604020202020204" pitchFamily="34" charset="0"/>
+                <a:latin typeface="Arial"/>
               </a:defRPr>
             </a:lvl6pPr>
             <a:lvl7pPr eaLnBrk="0" fontAlgn="base" hangingPunct="0">
@@ -3865,7 +3832,7 @@
                 <a:solidFill>
                   <a:schemeClr val="tx1"/>
                 </a:solidFill>
-                <a:latin typeface="Arial" panose="020B0604020202020204" pitchFamily="34" charset="0"/>
+                <a:latin typeface="Arial"/>
               </a:defRPr>
             </a:lvl7pPr>
             <a:lvl8pPr eaLnBrk="0" fontAlgn="base" hangingPunct="0">
@@ -3879,7 +3846,7 @@
                 <a:solidFill>
                   <a:schemeClr val="tx1"/>
                 </a:solidFill>
-                <a:latin typeface="Arial" panose="020B0604020202020204" pitchFamily="34" charset="0"/>
+                <a:latin typeface="Arial"/>
               </a:defRPr>
             </a:lvl8pPr>
             <a:lvl9pPr eaLnBrk="0" fontAlgn="base" hangingPunct="0">
@@ -3893,12 +3860,12 @@
                 <a:solidFill>
                   <a:schemeClr val="tx1"/>
                 </a:solidFill>
-                <a:latin typeface="Arial" panose="020B0604020202020204" pitchFamily="34" charset="0"/>
+                <a:latin typeface="Arial"/>
               </a:defRPr>
             </a:lvl9pPr>
           </a:lstStyle>
           <a:p>
-            <a:pPr marL="0" marR="0" lvl="0" indent="0" algn="l" defTabSz="914400" rtl="0" eaLnBrk="0" fontAlgn="base" latinLnBrk="0" hangingPunct="0">
+            <a:pPr marL="0" marR="0" lvl="0" indent="0" algn="l" defTabSz="914400" rtl="0" eaLnBrk="0" latinLnBrk="0" hangingPunct="0">
               <a:lnSpc>
                 <a:spcPct val="100000"/>
               </a:lnSpc>
@@ -3909,1636 +3876,1514 @@
                 <a:spcPct val="0"/>
               </a:spcAft>
               <a:buClrTx/>
-              <a:buSzTx/>
               <a:buFontTx/>
               <a:buNone/>
-              <a:tabLst/>
+              <a:defRPr/>
             </a:pPr>
             <a:r>
-              <a:rPr kumimoji="0" lang="ko-KR" altLang="ko-KR" sz="1300" b="1" i="0" u="none" strike="noStrike" cap="none" normalizeH="0" baseline="0" dirty="0">
-                <a:ln>
-                  <a:noFill/>
-                </a:ln>
-                <a:solidFill>
-                  <a:srgbClr val="0A0A0A"/>
-                </a:solidFill>
-                <a:effectLst/>
-                <a:latin typeface="Arial" panose="020B0604020202020204" pitchFamily="34" charset="0"/>
+              <a:rPr kumimoji="0" lang="ko-KR" altLang="ko-KR" sz="1300" b="1" i="0" u="none" strike="noStrike" cap="none" normalizeH="0" baseline="0">
+                <a:solidFill>
+                  <a:srgbClr val="0a0a0a"/>
+                </a:solidFill>
+                <a:effectLst/>
+                <a:latin typeface="Arial"/>
                 <a:ea typeface="Google Sans"/>
               </a:rPr>
               <a:t>1. 프로젝트 개요</a:t>
             </a:r>
-            <a:endParaRPr kumimoji="0" lang="ko-KR" altLang="ko-KR" sz="1300" b="0" i="0" u="none" strike="noStrike" cap="none" normalizeH="0" baseline="0" dirty="0">
-              <a:ln>
-                <a:noFill/>
-              </a:ln>
+            <a:endParaRPr kumimoji="0" lang="ko-KR" altLang="ko-KR" sz="1300" b="1" i="0" u="none" strike="noStrike" cap="none" normalizeH="0" baseline="0">
+              <a:solidFill>
+                <a:srgbClr val="0a0a0a"/>
+              </a:solidFill>
+              <a:effectLst/>
+              <a:latin typeface="Arial"/>
+              <a:ea typeface="Google Sans"/>
+            </a:endParaRPr>
+          </a:p>
+          <a:p>
+            <a:pPr marL="0" marR="0" lvl="0" indent="0" algn="l" defTabSz="914400" rtl="0" eaLnBrk="0" latinLnBrk="0" hangingPunct="0">
+              <a:lnSpc>
+                <a:spcPct val="100000"/>
+              </a:lnSpc>
+              <a:spcBef>
+                <a:spcPct val="0"/>
+              </a:spcBef>
+              <a:spcAft>
+                <a:spcPct val="0"/>
+              </a:spcAft>
+              <a:buClrTx/>
+              <a:buFontTx/>
+              <a:buNone/>
+              <a:defRPr/>
+            </a:pPr>
+            <a:r>
+              <a:rPr kumimoji="0" lang="ko-KR" altLang="ko-KR" sz="1300" b="0" i="0" u="none" strike="noStrike" cap="none" normalizeH="0" baseline="0">
+                <a:solidFill>
+                  <a:srgbClr val="0a0a0a"/>
+                </a:solidFill>
+                <a:effectLst/>
+                <a:latin typeface="Arial"/>
+                <a:ea typeface="Google Sans"/>
+              </a:rPr>
+              <a:t>본 프로젝트는 상위 이용 지역의 인구 조사를 통해 전체 우대권 사용자의 비율을 산출하고, 불필요한 이동을 줄여 지역구 활성화 및 이동 분산을 목표로 합니다.</a:t>
+            </a:r>
+            <a:endParaRPr kumimoji="0" lang="ko-KR" altLang="ko-KR" sz="1300" b="0" i="0" u="none" strike="noStrike" cap="none" normalizeH="0" baseline="0">
+              <a:solidFill>
+                <a:srgbClr val="0a0a0a"/>
+              </a:solidFill>
+              <a:effectLst/>
+              <a:latin typeface="Arial"/>
+              <a:ea typeface="Google Sans"/>
+            </a:endParaRPr>
+          </a:p>
+          <a:p>
+            <a:pPr marL="0" marR="0" lvl="0" indent="0" algn="l" defTabSz="914400" rtl="0" eaLnBrk="0" latinLnBrk="0" hangingPunct="0">
+              <a:lnSpc>
+                <a:spcPct val="100000"/>
+              </a:lnSpc>
+              <a:spcBef>
+                <a:spcPct val="0"/>
+              </a:spcBef>
+              <a:spcAft>
+                <a:spcPct val="0"/>
+              </a:spcAft>
+              <a:buClrTx/>
+              <a:buFontTx/>
+              <a:buNone/>
+              <a:defRPr/>
+            </a:pPr>
+            <a:endParaRPr kumimoji="0" lang="en-US" altLang="ko-KR" sz="1300" b="0" i="0" u="none" strike="noStrike" cap="none" normalizeH="0" baseline="0">
+              <a:solidFill>
+                <a:srgbClr val="0a0a0a"/>
+              </a:solidFill>
+              <a:effectLst/>
+              <a:latin typeface="Arial"/>
+              <a:ea typeface="Google Sans"/>
+            </a:endParaRPr>
+          </a:p>
+          <a:p>
+            <a:pPr marL="0" marR="0" lvl="0" indent="0" algn="l" defTabSz="914400" rtl="0" eaLnBrk="0" latinLnBrk="0" hangingPunct="0">
+              <a:lnSpc>
+                <a:spcPct val="100000"/>
+              </a:lnSpc>
+              <a:spcBef>
+                <a:spcPct val="0"/>
+              </a:spcBef>
+              <a:spcAft>
+                <a:spcPct val="0"/>
+              </a:spcAft>
+              <a:buClrTx/>
+              <a:buFontTx/>
+              <a:buNone/>
+              <a:defRPr/>
+            </a:pPr>
+            <a:r>
+              <a:rPr kumimoji="0" lang="en-US" altLang="ko-KR" sz="1300" b="0" i="0" u="none" strike="noStrike" cap="none" normalizeH="0" baseline="0">
+                <a:solidFill>
+                  <a:srgbClr val="0a0a0a"/>
+                </a:solidFill>
+                <a:effectLst/>
+                <a:latin typeface="Arial"/>
+                <a:ea typeface="Google Sans"/>
+              </a:rPr>
+              <a:t>"이동의 총량을 줄이는 것이 아니라, 이동의 필요성을 줄인다."</a:t>
+            </a:r>
+            <a:endParaRPr kumimoji="0" lang="en-US" altLang="ko-KR" sz="1300" b="0" i="0" u="none" strike="noStrike" cap="none" normalizeH="0" baseline="0">
+              <a:solidFill>
+                <a:srgbClr val="0a0a0a"/>
+              </a:solidFill>
+              <a:effectLst/>
+              <a:latin typeface="Arial"/>
+              <a:ea typeface="Google Sans"/>
+            </a:endParaRPr>
+          </a:p>
+          <a:p>
+            <a:pPr marL="0" marR="0" lvl="0" indent="0" algn="l" defTabSz="914400" rtl="0" eaLnBrk="0" latinLnBrk="0" hangingPunct="0">
+              <a:lnSpc>
+                <a:spcPct val="100000"/>
+              </a:lnSpc>
+              <a:spcBef>
+                <a:spcPct val="0"/>
+              </a:spcBef>
+              <a:spcAft>
+                <a:spcPct val="0"/>
+              </a:spcAft>
+              <a:buClrTx/>
+              <a:buFontTx/>
+              <a:buNone/>
+              <a:defRPr/>
+            </a:pPr>
+            <a:r>
+              <a:rPr kumimoji="0" lang="en-US" altLang="ko-KR" sz="1300" b="0" i="0" u="none" strike="noStrike" cap="none" normalizeH="0" baseline="0">
+                <a:solidFill>
+                  <a:srgbClr val="0a0a0a"/>
+                </a:solidFill>
+                <a:effectLst/>
+                <a:latin typeface="Arial"/>
+                <a:ea typeface="Google Sans"/>
+              </a:rPr>
+              <a:t>승차역(주거지) 솔루션: 역 주변에 노인 특화 공원, 커뮤니티 센터, 헬스케어 존 조성 </a:t>
+            </a:r>
+            <a:r>
+              <a:rPr kumimoji="0" lang="ko-KR" altLang="en-US" sz="1300" b="0" i="0" u="none" strike="noStrike" cap="none" normalizeH="0" baseline="0">
+                <a:solidFill>
+                  <a:srgbClr val="0a0a0a"/>
+                </a:solidFill>
+                <a:effectLst/>
+                <a:latin typeface="Arial"/>
+                <a:ea typeface="Google Sans"/>
+              </a:rPr>
+              <a:t> </a:t>
+            </a:r>
+            <a:r>
+              <a:rPr kumimoji="0" lang="en-US" altLang="ko-KR" sz="1300" b="0" i="0" u="none" strike="noStrike" cap="none" normalizeH="0" baseline="0">
+                <a:solidFill>
+                  <a:srgbClr val="0a0a0a"/>
+                </a:solidFill>
+                <a:effectLst/>
+                <a:latin typeface="Arial"/>
+                <a:ea typeface="Google Sans"/>
+              </a:rPr>
+              <a:t> </a:t>
+            </a:r>
+            <a:r>
+              <a:rPr kumimoji="0" lang="ko-KR" altLang="en-US" sz="1300" b="0" i="0" u="none" strike="noStrike" cap="none" normalizeH="0" baseline="0">
+                <a:solidFill>
+                  <a:srgbClr val="0a0a0a"/>
+                </a:solidFill>
+                <a:effectLst/>
+                <a:latin typeface="Arial"/>
+                <a:ea typeface="Google Sans"/>
+              </a:rPr>
+              <a:t>	</a:t>
+            </a:r>
+            <a:r>
+              <a:rPr kumimoji="0" lang="en-US" altLang="ko-KR" sz="1300" b="0" i="0" u="none" strike="noStrike" cap="none" normalizeH="0" baseline="0">
+                <a:solidFill>
+                  <a:srgbClr val="0a0a0a"/>
+                </a:solidFill>
+                <a:effectLst/>
+                <a:latin typeface="Arial"/>
+                <a:ea typeface="Google Sans"/>
+              </a:rPr>
+              <a:t>"멀리 안 가셔도 됩니다."</a:t>
+            </a:r>
+            <a:endParaRPr kumimoji="0" lang="en-US" altLang="ko-KR" sz="1300" b="0" i="0" u="none" strike="noStrike" cap="none" normalizeH="0" baseline="0">
+              <a:solidFill>
+                <a:srgbClr val="0a0a0a"/>
+              </a:solidFill>
+              <a:effectLst/>
+              <a:latin typeface="Arial"/>
+              <a:ea typeface="Google Sans"/>
+            </a:endParaRPr>
+          </a:p>
+          <a:p>
+            <a:pPr marL="0" marR="0" lvl="0" indent="0" algn="l" defTabSz="914400" rtl="0" eaLnBrk="0" latinLnBrk="0" hangingPunct="0">
+              <a:lnSpc>
+                <a:spcPct val="100000"/>
+              </a:lnSpc>
+              <a:spcBef>
+                <a:spcPct val="0"/>
+              </a:spcBef>
+              <a:spcAft>
+                <a:spcPct val="0"/>
+              </a:spcAft>
+              <a:buClrTx/>
+              <a:buFontTx/>
+              <a:buNone/>
+              <a:defRPr/>
+            </a:pPr>
+            <a:r>
+              <a:rPr kumimoji="0" lang="en-US" altLang="ko-KR" sz="1300" b="0" i="0" u="none" strike="noStrike" cap="none" normalizeH="0" baseline="0">
+                <a:solidFill>
+                  <a:srgbClr val="0a0a0a"/>
+                </a:solidFill>
+                <a:effectLst/>
+                <a:latin typeface="Arial"/>
+                <a:ea typeface="Google Sans"/>
+              </a:rPr>
+              <a:t>하차역(목적지) 솔루션: 안전 설비 보강 및 인파 분산 유도 시스템 </a:t>
+            </a:r>
+            <a:r>
+              <a:rPr kumimoji="0" lang="ko-KR" altLang="en-US" sz="1300" b="0" i="0" u="none" strike="noStrike" cap="none" normalizeH="0" baseline="0">
+                <a:solidFill>
+                  <a:srgbClr val="0a0a0a"/>
+                </a:solidFill>
+                <a:effectLst/>
+                <a:latin typeface="Arial"/>
+                <a:ea typeface="Google Sans"/>
+              </a:rPr>
+              <a:t>		</a:t>
+            </a:r>
+            <a:r>
+              <a:rPr kumimoji="0" lang="en-US" altLang="ko-KR" sz="1300" b="0" i="0" u="none" strike="noStrike" cap="none" normalizeH="0" baseline="0">
+                <a:solidFill>
+                  <a:srgbClr val="0a0a0a"/>
+                </a:solidFill>
+                <a:effectLst/>
+                <a:latin typeface="Arial"/>
+                <a:ea typeface="Google Sans"/>
+              </a:rPr>
+              <a:t>"오시더라도 안전하게."</a:t>
+            </a:r>
+            <a:endParaRPr kumimoji="0" lang="en-US" altLang="ko-KR" sz="1300" b="0" i="0" u="none" strike="noStrike" cap="none" normalizeH="0" baseline="0">
+              <a:solidFill>
+                <a:srgbClr val="0a0a0a"/>
+              </a:solidFill>
+              <a:effectLst/>
+              <a:latin typeface="Arial"/>
+              <a:ea typeface="Google Sans"/>
+            </a:endParaRPr>
+          </a:p>
+          <a:p>
+            <a:pPr marL="0" marR="0" lvl="0" indent="0" algn="l" defTabSz="914400" rtl="0" eaLnBrk="0" latinLnBrk="0" hangingPunct="0">
+              <a:lnSpc>
+                <a:spcPct val="100000"/>
+              </a:lnSpc>
+              <a:spcBef>
+                <a:spcPct val="0"/>
+              </a:spcBef>
+              <a:spcAft>
+                <a:spcPct val="0"/>
+              </a:spcAft>
+              <a:buClrTx/>
+              <a:buFontTx/>
+              <a:buNone/>
+              <a:defRPr/>
+            </a:pPr>
+            <a:r>
+              <a:rPr kumimoji="0" lang="ko-KR" altLang="ko-KR" sz="1300" b="1" i="0" u="none" strike="noStrike" cap="none" normalizeH="0" baseline="0">
+                <a:solidFill>
+                  <a:srgbClr val="0a0a0a"/>
+                </a:solidFill>
+                <a:effectLst/>
+                <a:latin typeface="Arial"/>
+                <a:ea typeface="Google Sans"/>
+              </a:rPr>
+              <a:t>2. 배경 및 필요성 (조사 이유)</a:t>
+            </a:r>
+            <a:endParaRPr kumimoji="0" lang="ko-KR" altLang="ko-KR" sz="1300" b="1" i="0" u="none" strike="noStrike" cap="none" normalizeH="0" baseline="0">
+              <a:solidFill>
+                <a:srgbClr val="0a0a0a"/>
+              </a:solidFill>
+              <a:effectLst/>
+              <a:latin typeface="Arial"/>
+              <a:ea typeface="Google Sans"/>
+            </a:endParaRPr>
+          </a:p>
+          <a:p>
+            <a:pPr marL="0" marR="0" lvl="0" indent="0" algn="l" defTabSz="914400" rtl="0" eaLnBrk="0" latinLnBrk="0" hangingPunct="0">
+              <a:lnSpc>
+                <a:spcPct val="100000"/>
+              </a:lnSpc>
+              <a:spcBef>
+                <a:spcPct val="0"/>
+              </a:spcBef>
+              <a:spcAft>
+                <a:spcPct val="0"/>
+              </a:spcAft>
+              <a:buClrTx/>
+              <a:buFontTx/>
+              <a:buChar char="•"/>
+              <a:defRPr/>
+            </a:pPr>
+            <a:r>
+              <a:rPr kumimoji="0" lang="ko-KR" altLang="ko-KR" sz="1300" b="1" i="0" u="none" strike="noStrike" cap="none" normalizeH="0" baseline="0">
+                <a:solidFill>
+                  <a:srgbClr val="0a0a0a"/>
+                </a:solidFill>
+                <a:effectLst/>
+                <a:latin typeface="Arial"/>
+                <a:ea typeface="Google Sans"/>
+              </a:rPr>
+              <a:t>현황 인식:</a:t>
+            </a:r>
+            <a:r>
+              <a:rPr kumimoji="0" lang="ko-KR" altLang="ko-KR" sz="1300" b="0" i="0" u="none" strike="noStrike" cap="none" normalizeH="0" baseline="0">
+                <a:solidFill>
+                  <a:srgbClr val="0a0a0a"/>
+                </a:solidFill>
+                <a:effectLst/>
+                <a:latin typeface="Arial"/>
+                <a:ea typeface="Google Sans"/>
+              </a:rPr>
+              <a:t> 우대권 사용자가 특정 지역에 과도하게 집중되는 경향이 관찰되었습니다.</a:t>
+            </a:r>
+            <a:endParaRPr kumimoji="0" lang="ko-KR" altLang="ko-KR" sz="1300" b="0" i="0" u="none" strike="noStrike" cap="none" normalizeH="0" baseline="0">
+              <a:solidFill>
+                <a:srgbClr val="0a0a0a"/>
+              </a:solidFill>
+              <a:effectLst/>
+              <a:latin typeface="Arial"/>
+              <a:ea typeface="Google Sans"/>
+            </a:endParaRPr>
+          </a:p>
+          <a:p>
+            <a:pPr marL="0" marR="0" lvl="0" indent="0" algn="l" defTabSz="914400" rtl="0" eaLnBrk="0" latinLnBrk="0" hangingPunct="0">
+              <a:lnSpc>
+                <a:spcPct val="100000"/>
+              </a:lnSpc>
+              <a:spcBef>
+                <a:spcPct val="0"/>
+              </a:spcBef>
+              <a:spcAft>
+                <a:spcPct val="0"/>
+              </a:spcAft>
+              <a:buClrTx/>
+              <a:buFontTx/>
+              <a:buChar char="•"/>
+              <a:defRPr/>
+            </a:pPr>
+            <a:r>
+              <a:rPr kumimoji="0" lang="ko-KR" altLang="ko-KR" sz="1300" b="1" i="0" u="none" strike="noStrike" cap="none" normalizeH="0" baseline="0">
+                <a:solidFill>
+                  <a:srgbClr val="0a0a0a"/>
+                </a:solidFill>
+                <a:effectLst/>
+                <a:latin typeface="Arial"/>
+                <a:ea typeface="Google Sans"/>
+              </a:rPr>
+              <a:t>문제 제기:</a:t>
+            </a:r>
+            <a:r>
+              <a:rPr kumimoji="0" lang="ko-KR" altLang="ko-KR" sz="1300" b="0" i="0" u="none" strike="noStrike" cap="none" normalizeH="0" baseline="0">
+                <a:solidFill>
+                  <a:srgbClr val="0a0a0a"/>
+                </a:solidFill>
+                <a:effectLst/>
+                <a:latin typeface="Arial"/>
+                <a:ea typeface="Google Sans"/>
+              </a:rPr>
+              <a:t> 특정 상위 이용 지역으로의 집중은 불필요한 이동을 야기하며, 상대적으로 타 지역구의 활성화를 저해할 수 있습니다.</a:t>
+            </a:r>
+            <a:endParaRPr kumimoji="0" lang="ko-KR" altLang="ko-KR" sz="1300" b="0" i="0" u="none" strike="noStrike" cap="none" normalizeH="0" baseline="0">
+              <a:solidFill>
+                <a:srgbClr val="0a0a0a"/>
+              </a:solidFill>
+              <a:effectLst/>
+              <a:latin typeface="Arial"/>
+              <a:ea typeface="Google Sans"/>
+            </a:endParaRPr>
+          </a:p>
+          <a:p>
+            <a:pPr marL="0" marR="0" lvl="0" indent="0" algn="l" defTabSz="914400" rtl="0" eaLnBrk="0" latinLnBrk="0" hangingPunct="0">
+              <a:lnSpc>
+                <a:spcPct val="100000"/>
+              </a:lnSpc>
+              <a:spcBef>
+                <a:spcPct val="0"/>
+              </a:spcBef>
+              <a:spcAft>
+                <a:spcPct val="0"/>
+              </a:spcAft>
+              <a:buClrTx/>
+              <a:buFontTx/>
+              <a:buChar char="•"/>
+              <a:defRPr/>
+            </a:pPr>
+            <a:r>
+              <a:rPr kumimoji="0" lang="ko-KR" altLang="ko-KR" sz="1300" b="1" i="0" u="none" strike="noStrike" cap="none" normalizeH="0" baseline="0">
+                <a:solidFill>
+                  <a:srgbClr val="0a0a0a"/>
+                </a:solidFill>
+                <a:effectLst/>
+                <a:latin typeface="Arial"/>
+                <a:ea typeface="Google Sans"/>
+              </a:rPr>
+              <a:t>조사 목적:</a:t>
+            </a:r>
+            <a:r>
+              <a:rPr kumimoji="0" lang="ko-KR" altLang="ko-KR" sz="1300" b="0" i="0" u="none" strike="noStrike" cap="none" normalizeH="0" baseline="0">
+                <a:solidFill>
+                  <a:srgbClr val="0a0a0a"/>
+                </a:solidFill>
+                <a:effectLst/>
+                <a:latin typeface="Arial"/>
+                <a:ea typeface="Google Sans"/>
+              </a:rPr>
+              <a:t> 인구 조사를 통해 전체 우대권 사용자 중 상위 이용 지역 방문자 비율을 산출하고, 해당 비율만큼 이동이 분산될 경우의 지역 활성화 효과를 판단하고자 합니다.</a:t>
+            </a:r>
+            <a:endParaRPr kumimoji="0" lang="ko-KR" altLang="ko-KR" sz="1300" b="0" i="0" u="none" strike="noStrike" cap="none" normalizeH="0" baseline="0">
+              <a:solidFill>
+                <a:srgbClr val="0a0a0a"/>
+              </a:solidFill>
+              <a:effectLst/>
+              <a:latin typeface="Arial"/>
+              <a:ea typeface="Google Sans"/>
+            </a:endParaRPr>
+          </a:p>
+          <a:p>
+            <a:pPr marL="0" marR="0" lvl="0" indent="0" algn="l" defTabSz="914400" rtl="0" eaLnBrk="0" latinLnBrk="0" hangingPunct="0">
+              <a:lnSpc>
+                <a:spcPct val="100000"/>
+              </a:lnSpc>
+              <a:spcBef>
+                <a:spcPct val="0"/>
+              </a:spcBef>
+              <a:spcAft>
+                <a:spcPct val="0"/>
+              </a:spcAft>
+              <a:buClrTx/>
+              <a:buFontTx/>
+              <a:buNone/>
+              <a:defRPr/>
+            </a:pPr>
+            <a:r>
+              <a:rPr kumimoji="0" lang="ko-KR" altLang="ko-KR" sz="1300" b="1" i="0" u="none" strike="noStrike" cap="none" normalizeH="0" baseline="0">
+                <a:solidFill>
+                  <a:srgbClr val="0a0a0a"/>
+                </a:solidFill>
+                <a:effectLst/>
+                <a:latin typeface="Arial"/>
+                <a:ea typeface="Google Sans"/>
+              </a:rPr>
+              <a:t>3. 목적 및 목표 (예상 결과 포함)</a:t>
+            </a:r>
+            <a:endParaRPr kumimoji="0" lang="ko-KR" altLang="ko-KR" sz="1300" b="1" i="0" u="none" strike="noStrike" cap="none" normalizeH="0" baseline="0">
+              <a:solidFill>
+                <a:srgbClr val="0a0a0a"/>
+              </a:solidFill>
+              <a:effectLst/>
+              <a:latin typeface="Arial"/>
+              <a:ea typeface="Google Sans"/>
+            </a:endParaRPr>
+          </a:p>
+          <a:p>
+            <a:pPr marL="0" marR="0" lvl="0" indent="0" algn="l" defTabSz="914400" rtl="0" eaLnBrk="0" latinLnBrk="0" hangingPunct="0">
+              <a:lnSpc>
+                <a:spcPct val="100000"/>
+              </a:lnSpc>
+              <a:spcBef>
+                <a:spcPct val="0"/>
+              </a:spcBef>
+              <a:spcAft>
+                <a:spcPct val="0"/>
+              </a:spcAft>
+              <a:buClrTx/>
+              <a:buFontTx/>
+              <a:buChar char="•"/>
+              <a:defRPr/>
+            </a:pPr>
+            <a:r>
+              <a:rPr kumimoji="0" lang="ko-KR" altLang="ko-KR" sz="1300" b="1" i="0" u="none" strike="noStrike" cap="none" normalizeH="0" baseline="0">
+                <a:solidFill>
+                  <a:srgbClr val="0a0a0a"/>
+                </a:solidFill>
+                <a:effectLst/>
+                <a:latin typeface="Arial"/>
+                <a:ea typeface="Google Sans"/>
+              </a:rPr>
+              <a:t>궁극적 목적:</a:t>
+            </a:r>
+            <a:r>
+              <a:rPr kumimoji="0" lang="ko-KR" altLang="ko-KR" sz="1300" b="0" i="0" u="none" strike="noStrike" cap="none" normalizeH="0" baseline="0">
+                <a:solidFill>
+                  <a:srgbClr val="0a0a0a"/>
+                </a:solidFill>
+                <a:effectLst/>
+                <a:latin typeface="Arial"/>
+                <a:ea typeface="Google Sans"/>
+              </a:rPr>
+              <a:t> 우대권 사용자의 편의 증진 및 안전한 이동 환경 조성, 지역 간 균형 발전 도모.</a:t>
+            </a:r>
+            <a:endParaRPr kumimoji="0" lang="ko-KR" altLang="ko-KR" sz="1300" b="0" i="0" u="none" strike="noStrike" cap="none" normalizeH="0" baseline="0">
+              <a:solidFill>
+                <a:srgbClr val="0a0a0a"/>
+              </a:solidFill>
+              <a:effectLst/>
+              <a:latin typeface="Arial"/>
+              <a:ea typeface="Google Sans"/>
+            </a:endParaRPr>
+          </a:p>
+          <a:p>
+            <a:pPr marL="0" marR="0" lvl="0" indent="0" algn="l" defTabSz="914400" rtl="0" eaLnBrk="0" latinLnBrk="0" hangingPunct="0">
+              <a:lnSpc>
+                <a:spcPct val="100000"/>
+              </a:lnSpc>
+              <a:spcBef>
+                <a:spcPct val="0"/>
+              </a:spcBef>
+              <a:spcAft>
+                <a:spcPct val="0"/>
+              </a:spcAft>
+              <a:buClrTx/>
+              <a:buFontTx/>
+              <a:buChar char="•"/>
+              <a:defRPr/>
+            </a:pPr>
+            <a:r>
+              <a:rPr kumimoji="0" lang="ko-KR" altLang="ko-KR" sz="1300" b="1" i="0" u="none" strike="noStrike" cap="none" normalizeH="0" baseline="0">
+                <a:solidFill>
+                  <a:srgbClr val="0a0a0a"/>
+                </a:solidFill>
+                <a:effectLst/>
+                <a:latin typeface="Arial"/>
+                <a:ea typeface="Google Sans"/>
+              </a:rPr>
+              <a:t>세부 목표:</a:t>
+            </a:r>
+            <a:endParaRPr kumimoji="0" lang="ko-KR" altLang="ko-KR" sz="1300" b="1" i="0" u="none" strike="noStrike" cap="none" normalizeH="0" baseline="0">
+              <a:solidFill>
+                <a:srgbClr val="0a0a0a"/>
+              </a:solidFill>
+              <a:effectLst/>
+              <a:latin typeface="Arial"/>
+              <a:ea typeface="Google Sans"/>
+            </a:endParaRPr>
+          </a:p>
+          <a:p>
+            <a:pPr marL="457200" marR="0" lvl="1" indent="0" algn="l" defTabSz="914400" rtl="0" eaLnBrk="0" latinLnBrk="0" hangingPunct="0">
+              <a:lnSpc>
+                <a:spcPct val="100000"/>
+              </a:lnSpc>
+              <a:spcBef>
+                <a:spcPct val="0"/>
+              </a:spcBef>
+              <a:spcAft>
+                <a:spcPct val="0"/>
+              </a:spcAft>
+              <a:buClrTx/>
+              <a:buFontTx/>
+              <a:buChar char="•"/>
+              <a:defRPr/>
+            </a:pPr>
+            <a:r>
+              <a:rPr kumimoji="0" lang="ko-KR" altLang="ko-KR" sz="1300" b="1" i="0" u="none" strike="noStrike" cap="none" normalizeH="0" baseline="0">
+                <a:solidFill>
+                  <a:srgbClr val="0a0a0a"/>
+                </a:solidFill>
+                <a:effectLst/>
+                <a:latin typeface="Arial"/>
+                <a:ea typeface="Google Sans"/>
+              </a:rPr>
+              <a:t>이동 패턴 분석:</a:t>
+            </a:r>
+            <a:r>
+              <a:rPr kumimoji="0" lang="ko-KR" altLang="ko-KR" sz="1300" b="0" i="0" u="none" strike="noStrike" cap="none" normalizeH="0" baseline="0">
+                <a:solidFill>
+                  <a:srgbClr val="0a0a0a"/>
+                </a:solidFill>
+                <a:effectLst/>
+                <a:latin typeface="Arial"/>
+                <a:ea typeface="Google Sans"/>
+              </a:rPr>
+              <a:t> 탑골 공원 등 주요 집결지로의 이동 원인 분석 (승하차 상위/하위 5개 역 비교).</a:t>
+            </a:r>
+            <a:endParaRPr kumimoji="0" lang="ko-KR" altLang="ko-KR" sz="1300" b="0" i="0" u="none" strike="noStrike" cap="none" normalizeH="0" baseline="0">
+              <a:solidFill>
+                <a:srgbClr val="0a0a0a"/>
+              </a:solidFill>
+              <a:effectLst/>
+              <a:latin typeface="Arial"/>
+              <a:ea typeface="Google Sans"/>
+            </a:endParaRPr>
+          </a:p>
+          <a:p>
+            <a:pPr marL="457200" marR="0" lvl="1" indent="0" algn="l" defTabSz="914400" rtl="0" eaLnBrk="0" latinLnBrk="0" hangingPunct="0">
+              <a:lnSpc>
+                <a:spcPct val="100000"/>
+              </a:lnSpc>
+              <a:spcBef>
+                <a:spcPct val="0"/>
+              </a:spcBef>
+              <a:spcAft>
+                <a:spcPct val="0"/>
+              </a:spcAft>
+              <a:buClrTx/>
+              <a:buFontTx/>
+              <a:buChar char="•"/>
+              <a:defRPr/>
+            </a:pPr>
+            <a:r>
+              <a:rPr kumimoji="0" lang="ko-KR" altLang="ko-KR" sz="1300" b="1" i="0" u="none" strike="noStrike" cap="none" normalizeH="0" baseline="0">
+                <a:solidFill>
+                  <a:srgbClr val="0a0a0a"/>
+                </a:solidFill>
+                <a:effectLst/>
+                <a:latin typeface="Arial"/>
+                <a:ea typeface="Google Sans"/>
+              </a:rPr>
+              <a:t>시설 비교 및 개선:</a:t>
+            </a:r>
+            <a:r>
+              <a:rPr kumimoji="0" lang="ko-KR" altLang="ko-KR" sz="1300" b="0" i="0" u="none" strike="noStrike" cap="none" normalizeH="0" baseline="0">
+                <a:solidFill>
+                  <a:srgbClr val="0a0a0a"/>
+                </a:solidFill>
+                <a:effectLst/>
+                <a:latin typeface="Arial"/>
+                <a:ea typeface="Google Sans"/>
+              </a:rPr>
+              <a:t> 집중 지역과 비집중 지역의 편의 시설(공원, 무료 급식소, 상권 가격 등)을 비교 분석하여 시설 확충 및 개선 방안 제시.</a:t>
+            </a:r>
+            <a:endParaRPr kumimoji="0" lang="ko-KR" altLang="ko-KR" sz="1300" b="0" i="0" u="none" strike="noStrike" cap="none" normalizeH="0" baseline="0">
+              <a:solidFill>
+                <a:srgbClr val="0a0a0a"/>
+              </a:solidFill>
+              <a:effectLst/>
+              <a:latin typeface="Arial"/>
+              <a:ea typeface="Google Sans"/>
+            </a:endParaRPr>
+          </a:p>
+          <a:p>
+            <a:pPr marL="457200" marR="0" lvl="1" indent="0" algn="l" defTabSz="914400" rtl="0" eaLnBrk="0" latinLnBrk="0" hangingPunct="0">
+              <a:lnSpc>
+                <a:spcPct val="100000"/>
+              </a:lnSpc>
+              <a:spcBef>
+                <a:spcPct val="0"/>
+              </a:spcBef>
+              <a:spcAft>
+                <a:spcPct val="0"/>
+              </a:spcAft>
+              <a:buClrTx/>
+              <a:buFontTx/>
+              <a:buChar char="•"/>
+              <a:defRPr/>
+            </a:pPr>
+            <a:r>
+              <a:rPr kumimoji="0" lang="ko-KR" altLang="ko-KR" sz="1300" b="1" i="0" u="none" strike="noStrike" cap="none" normalizeH="0" baseline="0">
+                <a:solidFill>
+                  <a:srgbClr val="0a0a0a"/>
+                </a:solidFill>
+                <a:effectLst/>
+                <a:latin typeface="Arial"/>
+                <a:ea typeface="Google Sans"/>
+              </a:rPr>
+              <a:t>기대 효과:</a:t>
+            </a:r>
+            <a:r>
+              <a:rPr kumimoji="0" lang="ko-KR" altLang="ko-KR" sz="1300" b="0" i="0" u="none" strike="noStrike" cap="none" normalizeH="0" baseline="0">
+                <a:solidFill>
+                  <a:srgbClr val="0a0a0a"/>
+                </a:solidFill>
+                <a:effectLst/>
+                <a:latin typeface="Arial"/>
+                <a:ea typeface="Google Sans"/>
+              </a:rPr>
+              <a:t> 지하철 이용객 분산 및 전반적인 지하철 사고 비율 감소 예상.</a:t>
+            </a:r>
+            <a:endParaRPr kumimoji="0" lang="ko-KR" altLang="ko-KR" sz="1300" b="0" i="0" u="none" strike="noStrike" cap="none" normalizeH="0" baseline="0">
+              <a:solidFill>
+                <a:srgbClr val="0a0a0a"/>
+              </a:solidFill>
+              <a:effectLst/>
+              <a:latin typeface="Arial"/>
+              <a:ea typeface="Google Sans"/>
+            </a:endParaRPr>
+          </a:p>
+          <a:p>
+            <a:pPr marL="0" marR="0" lvl="0" indent="0" algn="l" defTabSz="914400" rtl="0" eaLnBrk="0" latinLnBrk="0" hangingPunct="0">
+              <a:lnSpc>
+                <a:spcPct val="100000"/>
+              </a:lnSpc>
+              <a:spcBef>
+                <a:spcPct val="0"/>
+              </a:spcBef>
+              <a:spcAft>
+                <a:spcPct val="0"/>
+              </a:spcAft>
+              <a:buClrTx/>
+              <a:buFontTx/>
+              <a:buNone/>
+              <a:defRPr/>
+            </a:pPr>
+            <a:r>
+              <a:rPr kumimoji="0" lang="ko-KR" altLang="ko-KR" sz="1300" b="1" i="0" u="none" strike="noStrike" cap="none" normalizeH="0" baseline="0">
+                <a:solidFill>
+                  <a:srgbClr val="0a0a0a"/>
+                </a:solidFill>
+                <a:effectLst/>
+                <a:latin typeface="Arial"/>
+                <a:ea typeface="Google Sans"/>
+              </a:rPr>
+              <a:t>4. 조사 방법 및 데이터 (자료)</a:t>
+            </a:r>
+            <a:endParaRPr kumimoji="0" lang="ko-KR" altLang="ko-KR" sz="1300" b="1" i="0" u="none" strike="noStrike" cap="none" normalizeH="0" baseline="0">
+              <a:solidFill>
+                <a:srgbClr val="0a0a0a"/>
+              </a:solidFill>
+              <a:effectLst/>
+              <a:latin typeface="Arial"/>
+              <a:ea typeface="Google Sans"/>
+            </a:endParaRPr>
+          </a:p>
+          <a:p>
+            <a:pPr marL="0" marR="0" lvl="0" indent="0" algn="l" defTabSz="914400" rtl="0" eaLnBrk="0" latinLnBrk="0" hangingPunct="0">
+              <a:lnSpc>
+                <a:spcPct val="100000"/>
+              </a:lnSpc>
+              <a:spcBef>
+                <a:spcPct val="0"/>
+              </a:spcBef>
+              <a:spcAft>
+                <a:spcPct val="0"/>
+              </a:spcAft>
+              <a:buClrTx/>
+              <a:buFontTx/>
+              <a:buChar char="•"/>
+              <a:defRPr/>
+            </a:pPr>
+            <a:r>
+              <a:rPr kumimoji="0" lang="ko-KR" altLang="ko-KR" sz="1300" b="1" i="0" u="none" strike="noStrike" cap="none" normalizeH="0" baseline="0">
+                <a:solidFill>
+                  <a:srgbClr val="0a0a0a"/>
+                </a:solidFill>
+                <a:effectLst/>
+                <a:latin typeface="Arial"/>
+                <a:ea typeface="Google Sans"/>
+              </a:rPr>
+              <a:t>데이터 범위:</a:t>
+            </a:r>
+            <a:r>
+              <a:rPr kumimoji="0" lang="ko-KR" altLang="ko-KR" sz="1300" b="0" i="0" u="none" strike="noStrike" cap="none" normalizeH="0" baseline="0">
+                <a:solidFill>
+                  <a:srgbClr val="0a0a0a"/>
+                </a:solidFill>
+                <a:effectLst/>
+                <a:latin typeface="Arial"/>
+                <a:ea typeface="Google Sans"/>
+              </a:rPr>
+              <a:t> 2022년부터 2024년까지의 전체 우대권 사용자 지하철 이용 데이터.</a:t>
+            </a:r>
+            <a:endParaRPr kumimoji="0" lang="ko-KR" altLang="ko-KR" sz="1300" b="0" i="0" u="none" strike="noStrike" cap="none" normalizeH="0" baseline="0">
+              <a:solidFill>
+                <a:srgbClr val="0a0a0a"/>
+              </a:solidFill>
+              <a:effectLst/>
+              <a:latin typeface="Arial"/>
+              <a:ea typeface="Google Sans"/>
+            </a:endParaRPr>
+          </a:p>
+          <a:p>
+            <a:pPr marL="0" marR="0" lvl="0" indent="0" algn="l" defTabSz="914400" rtl="0" eaLnBrk="0" latinLnBrk="0" hangingPunct="0">
+              <a:lnSpc>
+                <a:spcPct val="100000"/>
+              </a:lnSpc>
+              <a:spcBef>
+                <a:spcPct val="0"/>
+              </a:spcBef>
+              <a:spcAft>
+                <a:spcPct val="0"/>
+              </a:spcAft>
+              <a:buClrTx/>
+              <a:buFontTx/>
+              <a:buChar char="•"/>
+              <a:defRPr/>
+            </a:pPr>
+            <a:r>
+              <a:rPr kumimoji="0" lang="ko-KR" altLang="ko-KR" sz="1300" b="1" i="0" u="none" strike="noStrike" cap="none" normalizeH="0" baseline="0">
+                <a:solidFill>
+                  <a:srgbClr val="0a0a0a"/>
+                </a:solidFill>
+                <a:effectLst/>
+                <a:latin typeface="Arial"/>
+                <a:ea typeface="Google Sans"/>
+              </a:rPr>
+              <a:t>조사 대상:</a:t>
+            </a:r>
+            <a:endParaRPr kumimoji="0" lang="ko-KR" altLang="ko-KR" sz="1300" b="1" i="0" u="none" strike="noStrike" cap="none" normalizeH="0" baseline="0">
+              <a:solidFill>
+                <a:srgbClr val="0a0a0a"/>
+              </a:solidFill>
+              <a:effectLst/>
+              <a:latin typeface="Arial"/>
+              <a:ea typeface="Google Sans"/>
+            </a:endParaRPr>
+          </a:p>
+          <a:p>
+            <a:pPr marL="457200" marR="0" lvl="1" indent="0" algn="l" defTabSz="914400" rtl="0" eaLnBrk="0" latinLnBrk="0" hangingPunct="0">
+              <a:lnSpc>
+                <a:spcPct val="100000"/>
+              </a:lnSpc>
+              <a:spcBef>
+                <a:spcPct val="0"/>
+              </a:spcBef>
+              <a:spcAft>
+                <a:spcPct val="0"/>
+              </a:spcAft>
+              <a:buClrTx/>
+              <a:buFontTx/>
+              <a:buChar char="•"/>
+              <a:defRPr/>
+            </a:pPr>
+            <a:r>
+              <a:rPr kumimoji="0" lang="ko-KR" altLang="ko-KR" sz="1300" b="0" i="0" u="none" strike="noStrike" cap="none" normalizeH="0" baseline="0">
+                <a:solidFill>
+                  <a:srgbClr val="0a0a0a"/>
+                </a:solidFill>
+                <a:effectLst/>
+                <a:latin typeface="Arial"/>
+                <a:ea typeface="Google Sans"/>
+              </a:rPr>
+              <a:t>전체 우대권 사용자 수 및 이용 비율.</a:t>
+            </a:r>
+            <a:endParaRPr kumimoji="0" lang="ko-KR" altLang="ko-KR" sz="1300" b="0" i="0" u="none" strike="noStrike" cap="none" normalizeH="0" baseline="0">
+              <a:solidFill>
+                <a:srgbClr val="0a0a0a"/>
+              </a:solidFill>
+              <a:effectLst/>
+              <a:latin typeface="Arial"/>
+              <a:ea typeface="Google Sans"/>
+            </a:endParaRPr>
+          </a:p>
+          <a:p>
+            <a:pPr marL="457200" marR="0" lvl="1" indent="0" algn="l" defTabSz="914400" rtl="0" eaLnBrk="0" latinLnBrk="0" hangingPunct="0">
+              <a:lnSpc>
+                <a:spcPct val="100000"/>
+              </a:lnSpc>
+              <a:spcBef>
+                <a:spcPct val="0"/>
+              </a:spcBef>
+              <a:spcAft>
+                <a:spcPct val="0"/>
+              </a:spcAft>
+              <a:buClrTx/>
+              <a:buFontTx/>
+              <a:buChar char="•"/>
+              <a:defRPr/>
+            </a:pPr>
+            <a:r>
+              <a:rPr kumimoji="0" lang="ko-KR" altLang="ko-KR" sz="1300" b="0" i="0" u="none" strike="noStrike" cap="none" normalizeH="0" baseline="0">
+                <a:solidFill>
+                  <a:srgbClr val="0a0a0a"/>
+                </a:solidFill>
+                <a:effectLst/>
+                <a:latin typeface="Arial"/>
+                <a:ea typeface="Google Sans"/>
+              </a:rPr>
+              <a:t>승하차 기준 상위 5개 역 및 하위 5개 역.</a:t>
+            </a:r>
+            <a:endParaRPr kumimoji="0" lang="ko-KR" altLang="ko-KR" sz="1300" b="0" i="0" u="none" strike="noStrike" cap="none" normalizeH="0" baseline="0">
+              <a:solidFill>
+                <a:srgbClr val="0a0a0a"/>
+              </a:solidFill>
+              <a:effectLst/>
+              <a:latin typeface="Arial"/>
+              <a:ea typeface="Google Sans"/>
+            </a:endParaRPr>
+          </a:p>
+          <a:p>
+            <a:pPr marL="457200" marR="0" lvl="1" indent="0" algn="l" defTabSz="914400" rtl="0" eaLnBrk="0" latinLnBrk="0" hangingPunct="0">
+              <a:lnSpc>
+                <a:spcPct val="100000"/>
+              </a:lnSpc>
+              <a:spcBef>
+                <a:spcPct val="0"/>
+              </a:spcBef>
+              <a:spcAft>
+                <a:spcPct val="0"/>
+              </a:spcAft>
+              <a:buClrTx/>
+              <a:buFontTx/>
+              <a:buChar char="•"/>
+              <a:defRPr/>
+            </a:pPr>
+            <a:r>
+              <a:rPr kumimoji="0" lang="ko-KR" altLang="ko-KR" sz="1300" b="0" i="0" u="none" strike="noStrike" cap="none" normalizeH="0" baseline="0">
+                <a:solidFill>
+                  <a:srgbClr val="0a0a0a"/>
+                </a:solidFill>
+                <a:effectLst/>
+                <a:latin typeface="Arial"/>
+                <a:ea typeface="Google Sans"/>
+              </a:rPr>
+              <a:t>조사 대상 10개 역 주변 지역구의 편의 시설 현황(공원, 무료 급식소, 상권 가격).</a:t>
+            </a:r>
+            <a:endParaRPr kumimoji="0" lang="ko-KR" altLang="ko-KR" sz="1300" b="0" i="0" u="none" strike="noStrike" cap="none" normalizeH="0" baseline="0">
+              <a:solidFill>
+                <a:srgbClr val="0a0a0a"/>
+              </a:solidFill>
+              <a:effectLst/>
+              <a:latin typeface="Arial"/>
+              <a:ea typeface="Google Sans"/>
+            </a:endParaRPr>
+          </a:p>
+          <a:p>
+            <a:pPr marL="0" marR="0" lvl="0" indent="0" algn="l" defTabSz="914400" rtl="0" eaLnBrk="0" latinLnBrk="0" hangingPunct="0">
+              <a:lnSpc>
+                <a:spcPct val="100000"/>
+              </a:lnSpc>
+              <a:spcBef>
+                <a:spcPct val="0"/>
+              </a:spcBef>
+              <a:spcAft>
+                <a:spcPct val="0"/>
+              </a:spcAft>
+              <a:buClrTx/>
+              <a:buFontTx/>
+              <a:buChar char="•"/>
+              <a:defRPr/>
+            </a:pPr>
+            <a:r>
+              <a:rPr kumimoji="0" lang="ko-KR" altLang="ko-KR" sz="1300" b="1" i="0" u="none" strike="noStrike" cap="none" normalizeH="0" baseline="0">
+                <a:solidFill>
+                  <a:srgbClr val="0a0a0a"/>
+                </a:solidFill>
+                <a:effectLst/>
+                <a:latin typeface="Arial"/>
+                <a:ea typeface="Google Sans"/>
+              </a:rPr>
+              <a:t>분석 방법:</a:t>
+            </a:r>
+            <a:r>
+              <a:rPr kumimoji="0" lang="ko-KR" altLang="ko-KR" sz="1300" b="0" i="0" u="none" strike="noStrike" cap="none" normalizeH="0" baseline="0">
+                <a:solidFill>
+                  <a:srgbClr val="0a0a0a"/>
+                </a:solidFill>
+                <a:effectLst/>
+                <a:latin typeface="Arial"/>
+                <a:ea typeface="Google Sans"/>
+              </a:rPr>
+              <a:t> 데이터 기반의 정량적 분석 및 현장 시설에 대한 정성적 비교 분석 병행.</a:t>
+            </a:r>
+            <a:endParaRPr kumimoji="0" lang="ko-KR" altLang="ko-KR" sz="1300" b="0" i="0" u="none" strike="noStrike" cap="none" normalizeH="0" baseline="0">
+              <a:solidFill>
+                <a:srgbClr val="0a0a0a"/>
+              </a:solidFill>
+              <a:effectLst/>
+              <a:latin typeface="Arial"/>
+              <a:ea typeface="Google Sans"/>
+            </a:endParaRPr>
+          </a:p>
+          <a:p>
+            <a:pPr marL="0" marR="0" lvl="0" indent="0" algn="l" defTabSz="914400" rtl="0" eaLnBrk="0" latinLnBrk="0" hangingPunct="0">
+              <a:lnSpc>
+                <a:spcPct val="100000"/>
+              </a:lnSpc>
+              <a:spcBef>
+                <a:spcPct val="0"/>
+              </a:spcBef>
+              <a:spcAft>
+                <a:spcPct val="0"/>
+              </a:spcAft>
+              <a:buClrTx/>
+              <a:buFontTx/>
+              <a:buNone/>
+              <a:defRPr/>
+            </a:pPr>
+            <a:r>
+              <a:rPr kumimoji="0" lang="ko-KR" altLang="ko-KR" sz="1300" b="1" i="0" u="none" strike="noStrike" cap="none" normalizeH="0" baseline="0">
+                <a:solidFill>
+                  <a:srgbClr val="0a0a0a"/>
+                </a:solidFill>
+                <a:effectLst/>
+                <a:latin typeface="Arial"/>
+                <a:ea typeface="Google Sans"/>
+              </a:rPr>
+              <a:t>5. 분석 결과 (작업 결과)</a:t>
+            </a:r>
+            <a:endParaRPr kumimoji="0" lang="ko-KR" altLang="ko-KR" sz="1300" b="1" i="0" u="none" strike="noStrike" cap="none" normalizeH="0" baseline="0">
+              <a:solidFill>
+                <a:srgbClr val="0a0a0a"/>
+              </a:solidFill>
+              <a:effectLst/>
+              <a:latin typeface="Arial"/>
+              <a:ea typeface="Google Sans"/>
+            </a:endParaRPr>
+          </a:p>
+          <a:p>
+            <a:pPr marL="0" marR="0" lvl="0" indent="0" algn="l" defTabSz="914400" rtl="0" eaLnBrk="0" latinLnBrk="0" hangingPunct="0">
+              <a:lnSpc>
+                <a:spcPct val="100000"/>
+              </a:lnSpc>
+              <a:spcBef>
+                <a:spcPct val="0"/>
+              </a:spcBef>
+              <a:spcAft>
+                <a:spcPct val="0"/>
+              </a:spcAft>
+              <a:buClrTx/>
+              <a:buFontTx/>
+              <a:buChar char="•"/>
+              <a:defRPr/>
+            </a:pPr>
+            <a:r>
+              <a:rPr kumimoji="0" lang="ko-KR" altLang="ko-KR" sz="1300" b="1" i="0" u="none" strike="noStrike" cap="none" normalizeH="0" baseline="0">
+                <a:solidFill>
+                  <a:srgbClr val="0a0a0a"/>
+                </a:solidFill>
+                <a:effectLst/>
+                <a:latin typeface="Arial"/>
+                <a:ea typeface="Google Sans"/>
+              </a:rPr>
+              <a:t>주요 집결지 변화:</a:t>
+            </a:r>
+            <a:r>
+              <a:rPr kumimoji="0" lang="ko-KR" altLang="ko-KR" sz="1300" b="0" i="0" u="none" strike="noStrike" cap="none" normalizeH="0" baseline="0">
+                <a:solidFill>
+                  <a:srgbClr val="0a0a0a"/>
+                </a:solidFill>
+                <a:effectLst/>
+                <a:latin typeface="Arial"/>
+                <a:ea typeface="Google Sans"/>
+              </a:rPr>
+              <a:t> 당초 예상과 달리, 우대권 사용자가 가장 많이 이용하는 역은 탑골 공원 인근의 종로3가 역이 아닌 </a:t>
+            </a:r>
+            <a:r>
+              <a:rPr kumimoji="0" lang="ko-KR" altLang="ko-KR" sz="1300" b="1" i="0" u="none" strike="noStrike" cap="none" normalizeH="0" baseline="0">
+                <a:solidFill>
+                  <a:srgbClr val="0a0a0a"/>
+                </a:solidFill>
+                <a:effectLst/>
+                <a:latin typeface="Arial"/>
+                <a:ea typeface="Google Sans"/>
+              </a:rPr>
+              <a:t>청량리역</a:t>
+            </a:r>
+            <a:r>
+              <a:rPr kumimoji="0" lang="ko-KR" altLang="ko-KR" sz="1300" b="0" i="0" u="none" strike="noStrike" cap="none" normalizeH="0" baseline="0">
+                <a:solidFill>
+                  <a:srgbClr val="0a0a0a"/>
+                </a:solidFill>
+                <a:effectLst/>
+                <a:latin typeface="Arial"/>
+                <a:ea typeface="Google Sans"/>
+              </a:rPr>
+              <a:t>과 </a:t>
+            </a:r>
+            <a:r>
+              <a:rPr kumimoji="0" lang="ko-KR" altLang="ko-KR" sz="1300" b="1" i="0" u="none" strike="noStrike" cap="none" normalizeH="0" baseline="0">
+                <a:solidFill>
+                  <a:srgbClr val="0a0a0a"/>
+                </a:solidFill>
+                <a:effectLst/>
+                <a:latin typeface="Arial"/>
+                <a:ea typeface="Google Sans"/>
+              </a:rPr>
+              <a:t>제기동역</a:t>
+            </a:r>
+            <a:r>
+              <a:rPr kumimoji="0" lang="ko-KR" altLang="ko-KR" sz="1300" b="0" i="0" u="none" strike="noStrike" cap="none" normalizeH="0" baseline="0">
+                <a:solidFill>
+                  <a:srgbClr val="0a0a0a"/>
+                </a:solidFill>
+                <a:effectLst/>
+                <a:latin typeface="Arial"/>
+                <a:ea typeface="Google Sans"/>
+              </a:rPr>
+              <a:t>으로 나타났습니다.</a:t>
+            </a:r>
+            <a:endParaRPr kumimoji="0" lang="ko-KR" altLang="ko-KR" sz="1300" b="0" i="0" u="none" strike="noStrike" cap="none" normalizeH="0" baseline="0">
+              <a:solidFill>
+                <a:srgbClr val="0a0a0a"/>
+              </a:solidFill>
+              <a:effectLst/>
+              <a:latin typeface="Arial"/>
+              <a:ea typeface="Google Sans"/>
+            </a:endParaRPr>
+          </a:p>
+          <a:p>
+            <a:pPr marL="0" marR="0" lvl="0" indent="0" algn="l" defTabSz="914400" rtl="0" eaLnBrk="0" latinLnBrk="0" hangingPunct="0">
+              <a:lnSpc>
+                <a:spcPct val="100000"/>
+              </a:lnSpc>
+              <a:spcBef>
+                <a:spcPct val="0"/>
+              </a:spcBef>
+              <a:spcAft>
+                <a:spcPct val="0"/>
+              </a:spcAft>
+              <a:buClrTx/>
+              <a:buFontTx/>
+              <a:buChar char="•"/>
+              <a:defRPr/>
+            </a:pPr>
+            <a:r>
+              <a:rPr kumimoji="0" lang="ko-KR" altLang="ko-KR" sz="1300" b="1" i="0" u="none" strike="noStrike" cap="none" normalizeH="0" baseline="0">
+                <a:solidFill>
+                  <a:srgbClr val="0a0a0a"/>
+                </a:solidFill>
+                <a:effectLst/>
+                <a:latin typeface="Arial"/>
+                <a:ea typeface="Google Sans"/>
+              </a:rPr>
+              <a:t>지역 특성:</a:t>
+            </a:r>
+            <a:r>
+              <a:rPr kumimoji="0" lang="ko-KR" altLang="ko-KR" sz="1300" b="0" i="0" u="none" strike="noStrike" cap="none" normalizeH="0" baseline="0">
+                <a:solidFill>
+                  <a:srgbClr val="0a0a0a"/>
+                </a:solidFill>
+                <a:effectLst/>
+                <a:latin typeface="Arial"/>
+                <a:ea typeface="Google Sans"/>
+              </a:rPr>
+              <a:t> 청량리역과 제기동역 사이에는 서울약령시장, 청량리종합도매시장, 경동시장 청년몰 등 3곳의 대형 시장이 위치해 있었습니다.</a:t>
+            </a:r>
+            <a:endParaRPr kumimoji="0" lang="ko-KR" altLang="ko-KR" sz="1300" b="0" i="0" u="none" strike="noStrike" cap="none" normalizeH="0" baseline="0">
+              <a:solidFill>
+                <a:srgbClr val="0a0a0a"/>
+              </a:solidFill>
+              <a:effectLst/>
+              <a:latin typeface="Arial"/>
+              <a:ea typeface="Google Sans"/>
+            </a:endParaRPr>
+          </a:p>
+          <a:p>
+            <a:pPr marL="0" marR="0" lvl="0" indent="0" algn="l" defTabSz="914400" rtl="0" eaLnBrk="0" latinLnBrk="0" hangingPunct="0">
+              <a:lnSpc>
+                <a:spcPct val="100000"/>
+              </a:lnSpc>
+              <a:spcBef>
+                <a:spcPct val="0"/>
+              </a:spcBef>
+              <a:spcAft>
+                <a:spcPct val="0"/>
+              </a:spcAft>
+              <a:buClrTx/>
+              <a:buFontTx/>
+              <a:buChar char="•"/>
+              <a:defRPr/>
+            </a:pPr>
+            <a:r>
+              <a:rPr kumimoji="0" lang="ko-KR" altLang="ko-KR" sz="1300" b="1" i="0" u="none" strike="noStrike" cap="none" normalizeH="0" baseline="0">
+                <a:solidFill>
+                  <a:srgbClr val="0a0a0a"/>
+                </a:solidFill>
+                <a:effectLst/>
+                <a:latin typeface="Arial"/>
+                <a:ea typeface="Google Sans"/>
+              </a:rPr>
+              <a:t>안전 문제:</a:t>
+            </a:r>
+            <a:r>
+              <a:rPr kumimoji="0" lang="ko-KR" altLang="ko-KR" sz="1300" b="0" i="0" u="none" strike="noStrike" cap="none" normalizeH="0" baseline="0">
+                <a:solidFill>
+                  <a:srgbClr val="0a0a0a"/>
+                </a:solidFill>
+                <a:effectLst/>
+                <a:latin typeface="Arial"/>
+                <a:ea typeface="Google Sans"/>
+              </a:rPr>
+              <a:t> 지하철 사고 비율은 </a:t>
+            </a:r>
+            <a:r>
+              <a:rPr kumimoji="0" lang="ko-KR" altLang="ko-KR" sz="1300" b="1" i="0" u="none" strike="noStrike" cap="none" normalizeH="0" baseline="0">
+                <a:solidFill>
+                  <a:srgbClr val="0a0a0a"/>
+                </a:solidFill>
+                <a:effectLst/>
+                <a:latin typeface="Arial"/>
+                <a:ea typeface="Google Sans"/>
+              </a:rPr>
+              <a:t>종로3가역</a:t>
+            </a:r>
+            <a:r>
+              <a:rPr kumimoji="0" lang="ko-KR" altLang="ko-KR" sz="1300" b="0" i="0" u="none" strike="noStrike" cap="none" normalizeH="0" baseline="0">
+                <a:solidFill>
+                  <a:srgbClr val="0a0a0a"/>
+                </a:solidFill>
+                <a:effectLst/>
+                <a:latin typeface="Arial"/>
+                <a:ea typeface="Google Sans"/>
+              </a:rPr>
+              <a:t>에서 가장 높게 나타났으며, 사고 발생 시간대는 우대권 사용자가 많은 시간대(오전 10시~오후 2시)와 대체로 일치했습니다.</a:t>
+            </a:r>
+            <a:endParaRPr kumimoji="0" lang="ko-KR" altLang="ko-KR" sz="1300" b="0" i="0" u="none" strike="noStrike" cap="none" normalizeH="0" baseline="0">
+              <a:solidFill>
+                <a:srgbClr val="0a0a0a"/>
+              </a:solidFill>
+              <a:effectLst/>
+              <a:latin typeface="Arial"/>
+              <a:ea typeface="Google Sans"/>
+            </a:endParaRPr>
+          </a:p>
+          <a:p>
+            <a:pPr marL="0" marR="0" lvl="0" indent="0" algn="l" defTabSz="914400" rtl="0" eaLnBrk="0" latinLnBrk="0" hangingPunct="0">
+              <a:lnSpc>
+                <a:spcPct val="100000"/>
+              </a:lnSpc>
+              <a:spcBef>
+                <a:spcPct val="0"/>
+              </a:spcBef>
+              <a:spcAft>
+                <a:spcPct val="0"/>
+              </a:spcAft>
+              <a:buClrTx/>
+              <a:buFontTx/>
+              <a:buChar char="•"/>
+              <a:defRPr/>
+            </a:pPr>
+            <a:r>
+              <a:rPr kumimoji="0" lang="ko-KR" altLang="ko-KR" sz="1300" b="1" i="0" u="none" strike="noStrike" cap="none" normalizeH="0" baseline="0">
+                <a:solidFill>
+                  <a:srgbClr val="0a0a0a"/>
+                </a:solidFill>
+                <a:effectLst/>
+                <a:latin typeface="Arial"/>
+                <a:ea typeface="Google Sans"/>
+              </a:rPr>
+              <a:t>이용률 추이:</a:t>
+            </a:r>
+            <a:r>
+              <a:rPr kumimoji="0" lang="ko-KR" altLang="ko-KR" sz="1300" b="0" i="0" u="none" strike="noStrike" cap="none" normalizeH="0" baseline="0">
+                <a:solidFill>
+                  <a:srgbClr val="0a0a0a"/>
+                </a:solidFill>
+                <a:effectLst/>
+                <a:latin typeface="Arial"/>
+                <a:ea typeface="Google Sans"/>
+              </a:rPr>
+              <a:t> 전체 이용 비율의 유의미한 변화는 없었으나, 특정 시간대(주로 낮 시간)에 우대권 사용자의 이용 비용이 10~20% 증가했습니다.</a:t>
+            </a:r>
+            <a:endParaRPr kumimoji="0" lang="ko-KR" altLang="ko-KR" sz="1300" b="0" i="0" u="none" strike="noStrike" cap="none" normalizeH="0" baseline="0">
+              <a:solidFill>
+                <a:srgbClr val="0a0a0a"/>
+              </a:solidFill>
+              <a:effectLst/>
+              <a:latin typeface="Arial"/>
+              <a:ea typeface="Google Sans"/>
+            </a:endParaRPr>
+          </a:p>
+          <a:p>
+            <a:pPr marL="0" marR="0" lvl="0" indent="0" algn="l" defTabSz="914400" rtl="0" eaLnBrk="0" latinLnBrk="0" hangingPunct="0">
+              <a:lnSpc>
+                <a:spcPct val="100000"/>
+              </a:lnSpc>
+              <a:spcBef>
+                <a:spcPct val="0"/>
+              </a:spcBef>
+              <a:spcAft>
+                <a:spcPct val="0"/>
+              </a:spcAft>
+              <a:buClrTx/>
+              <a:buFontTx/>
+              <a:buNone/>
+              <a:defRPr/>
+            </a:pPr>
+            <a:r>
+              <a:rPr kumimoji="0" lang="ko-KR" altLang="ko-KR" sz="1300" b="1" i="0" u="none" strike="noStrike" cap="none" normalizeH="0" baseline="0">
+                <a:solidFill>
+                  <a:srgbClr val="0a0a0a"/>
+                </a:solidFill>
+                <a:effectLst/>
+                <a:latin typeface="Arial"/>
+                <a:ea typeface="Google Sans"/>
+              </a:rPr>
+              <a:t>6. 결론 및 제언 (시사점)</a:t>
+            </a:r>
+            <a:endParaRPr kumimoji="0" lang="ko-KR" altLang="ko-KR" sz="1300" b="1" i="0" u="none" strike="noStrike" cap="none" normalizeH="0" baseline="0">
+              <a:solidFill>
+                <a:srgbClr val="0a0a0a"/>
+              </a:solidFill>
+              <a:effectLst/>
+              <a:latin typeface="Arial"/>
+              <a:ea typeface="Google Sans"/>
+            </a:endParaRPr>
+          </a:p>
+          <a:p>
+            <a:pPr marL="0" marR="0" lvl="0" indent="0" algn="l" defTabSz="914400" rtl="0" eaLnBrk="0" latinLnBrk="0" hangingPunct="0">
+              <a:lnSpc>
+                <a:spcPct val="100000"/>
+              </a:lnSpc>
+              <a:spcBef>
+                <a:spcPct val="0"/>
+              </a:spcBef>
+              <a:spcAft>
+                <a:spcPct val="0"/>
+              </a:spcAft>
+              <a:buClrTx/>
+              <a:buFontTx/>
+              <a:buNone/>
+              <a:defRPr/>
+            </a:pPr>
+            <a:r>
+              <a:rPr kumimoji="0" lang="ko-KR" altLang="ko-KR" sz="1300" b="0" i="0" u="none" strike="noStrike" cap="none" normalizeH="0" baseline="0">
+                <a:solidFill>
+                  <a:srgbClr val="0a0a0a"/>
+                </a:solidFill>
+                <a:effectLst/>
+                <a:latin typeface="Arial"/>
+                <a:ea typeface="Google Sans"/>
+              </a:rPr>
+              <a:t>본 분석 결과는 우대권 사용자의 주된 이동 목적이 '여가'보다는 '시장 이용'과 같은 실질적인 생활 편의에 있음을 시사합니다.</a:t>
+            </a:r>
+            <a:endParaRPr kumimoji="0" lang="ko-KR" altLang="ko-KR" sz="1300" b="0" i="0" u="none" strike="noStrike" cap="none" normalizeH="0" baseline="0">
+              <a:solidFill>
+                <a:srgbClr val="0a0a0a"/>
+              </a:solidFill>
+              <a:effectLst/>
+              <a:latin typeface="Arial"/>
+              <a:ea typeface="Google Sans"/>
+            </a:endParaRPr>
+          </a:p>
+          <a:p>
+            <a:pPr marL="0" marR="0" lvl="0" indent="0" algn="l" defTabSz="914400" rtl="0" eaLnBrk="0" latinLnBrk="0" hangingPunct="0">
+              <a:lnSpc>
+                <a:spcPct val="100000"/>
+              </a:lnSpc>
+              <a:spcBef>
+                <a:spcPct val="0"/>
+              </a:spcBef>
+              <a:spcAft>
+                <a:spcPct val="0"/>
+              </a:spcAft>
+              <a:buClrTx/>
+              <a:buFontTx/>
+              <a:buChar char="•"/>
+              <a:defRPr/>
+            </a:pPr>
+            <a:r>
+              <a:rPr kumimoji="0" lang="ko-KR" altLang="ko-KR" sz="1300" b="1" i="0" u="none" strike="noStrike" cap="none" normalizeH="0" baseline="0">
+                <a:solidFill>
+                  <a:srgbClr val="0a0a0a"/>
+                </a:solidFill>
+                <a:effectLst/>
+                <a:latin typeface="Arial"/>
+                <a:ea typeface="Google Sans"/>
+              </a:rPr>
+              <a:t>지역 시설 확충 제안:</a:t>
+            </a:r>
+            <a:r>
+              <a:rPr kumimoji="0" lang="ko-KR" altLang="ko-KR" sz="1300" b="0" i="0" u="none" strike="noStrike" cap="none" normalizeH="0" baseline="0">
+                <a:solidFill>
+                  <a:srgbClr val="0a0a0a"/>
+                </a:solidFill>
+                <a:effectLst/>
+                <a:latin typeface="Arial"/>
+                <a:ea typeface="Google Sans"/>
+              </a:rPr>
+              <a:t> 청량리/제기동 사례를 참고하여, 우대권 사용자 하위 이용 지역구에도 시장, 복지관 등 생활 밀착형 편의 시설을 확충하는 방안을 고려해야 합니다.</a:t>
+            </a:r>
+            <a:endParaRPr kumimoji="0" lang="ko-KR" altLang="ko-KR" sz="1300" b="0" i="0" u="none" strike="noStrike" cap="none" normalizeH="0" baseline="0">
+              <a:solidFill>
+                <a:srgbClr val="0a0a0a"/>
+              </a:solidFill>
+              <a:effectLst/>
+              <a:latin typeface="Arial"/>
+              <a:ea typeface="Google Sans"/>
+            </a:endParaRPr>
+          </a:p>
+          <a:p>
+            <a:pPr marL="0" marR="0" lvl="0" indent="0" algn="l" defTabSz="914400" rtl="0" eaLnBrk="0" latinLnBrk="0" hangingPunct="0">
+              <a:lnSpc>
+                <a:spcPct val="100000"/>
+              </a:lnSpc>
+              <a:spcBef>
+                <a:spcPct val="0"/>
+              </a:spcBef>
+              <a:spcAft>
+                <a:spcPct val="0"/>
+              </a:spcAft>
+              <a:buClrTx/>
+              <a:buFontTx/>
+              <a:buChar char="•"/>
+              <a:defRPr/>
+            </a:pPr>
+            <a:r>
+              <a:rPr kumimoji="0" lang="ko-KR" altLang="ko-KR" sz="1300" b="1" i="0" u="none" strike="noStrike" cap="none" normalizeH="0" baseline="0">
+                <a:solidFill>
+                  <a:srgbClr val="0a0a0a"/>
+                </a:solidFill>
+                <a:effectLst/>
+                <a:latin typeface="Arial"/>
+                <a:ea typeface="Google Sans"/>
+              </a:rPr>
+              <a:t>안전 관리 강화:</a:t>
+            </a:r>
+            <a:r>
+              <a:rPr kumimoji="0" lang="ko-KR" altLang="ko-KR" sz="1300" b="0" i="0" u="none" strike="noStrike" cap="none" normalizeH="0" baseline="0">
+                <a:solidFill>
+                  <a:srgbClr val="0a0a0a"/>
+                </a:solidFill>
+                <a:effectLst/>
+                <a:latin typeface="Arial"/>
+                <a:ea typeface="Google Sans"/>
+              </a:rPr>
+              <a:t> 종로3가역과 같이 사고 다발 지역 및 우대권 사용자 집중 시간대에 안전 인력 배치 및 시설 개선이 시급합니다.</a:t>
+            </a:r>
+            <a:endParaRPr kumimoji="0" lang="ko-KR" altLang="ko-KR" sz="1300" b="0" i="0" u="none" strike="noStrike" cap="none" normalizeH="0" baseline="0">
+              <a:solidFill>
+                <a:srgbClr val="0a0a0a"/>
+              </a:solidFill>
+              <a:effectLst/>
+              <a:latin typeface="Arial"/>
+              <a:ea typeface="Google Sans"/>
+            </a:endParaRPr>
+          </a:p>
+          <a:p>
+            <a:pPr marL="0" marR="0" lvl="0" indent="0" algn="l" defTabSz="914400" rtl="0" eaLnBrk="0" latinLnBrk="0" hangingPunct="0">
+              <a:lnSpc>
+                <a:spcPct val="100000"/>
+              </a:lnSpc>
+              <a:spcBef>
+                <a:spcPct val="0"/>
+              </a:spcBef>
+              <a:spcAft>
+                <a:spcPct val="0"/>
+              </a:spcAft>
+              <a:buClrTx/>
+              <a:buFontTx/>
+              <a:buChar char="•"/>
+              <a:defRPr/>
+            </a:pPr>
+            <a:r>
+              <a:rPr kumimoji="0" lang="ko-KR" altLang="ko-KR" sz="1300" b="1" i="0" u="none" strike="noStrike" cap="none" normalizeH="0" baseline="0">
+                <a:solidFill>
+                  <a:srgbClr val="0a0a0a"/>
+                </a:solidFill>
+                <a:effectLst/>
+                <a:latin typeface="Arial"/>
+                <a:ea typeface="Google Sans"/>
+              </a:rPr>
+              <a:t>정책 방향:</a:t>
+            </a:r>
+            <a:r>
+              <a:rPr kumimoji="0" lang="ko-KR" altLang="ko-KR" sz="1300" b="0" i="0" u="none" strike="noStrike" cap="none" normalizeH="0" baseline="0">
+                <a:solidFill>
+                  <a:srgbClr val="0a0a0a"/>
+                </a:solidFill>
+                <a:effectLst/>
+                <a:latin typeface="Arial"/>
+                <a:ea typeface="Google Sans"/>
+              </a:rPr>
+              <a:t> 단순한 이동 분산 정책보다는 사용자의 실제 수요를 반영한 지역 복지 및 편의 시설 개선이 필요합니다.</a:t>
+            </a:r>
+            <a:endParaRPr kumimoji="0" lang="ko-KR" altLang="ko-KR" sz="1300" b="0" i="0" u="none" strike="noStrike" cap="none" normalizeH="0" baseline="0">
+              <a:solidFill>
+                <a:srgbClr val="0a0a0a"/>
+              </a:solidFill>
+              <a:effectLst/>
+              <a:latin typeface="Arial"/>
+              <a:ea typeface="Google Sans"/>
+            </a:endParaRPr>
+          </a:p>
+          <a:p>
+            <a:pPr marL="0" marR="0" lvl="0" indent="0" algn="l" defTabSz="914400" rtl="0" eaLnBrk="0" latinLnBrk="0" hangingPunct="0">
+              <a:lnSpc>
+                <a:spcPct val="100000"/>
+              </a:lnSpc>
+              <a:spcBef>
+                <a:spcPct val="0"/>
+              </a:spcBef>
+              <a:spcAft>
+                <a:spcPct val="0"/>
+              </a:spcAft>
+              <a:buClrTx/>
+              <a:buFontTx/>
+              <a:buNone/>
+              <a:defRPr/>
+            </a:pPr>
+            <a:br>
+              <a:rPr kumimoji="0" lang="ko-KR" altLang="ko-KR" sz="1300" b="0" i="0" u="none" strike="noStrike" cap="none" normalizeH="0" baseline="0">
+                <a:solidFill>
+                  <a:schemeClr val="tx1"/>
+                </a:solidFill>
+                <a:effectLst/>
+                <a:latin typeface="Arial"/>
+                <a:ea typeface="+mn-ea"/>
+                <a:cs typeface="+mn-cs"/>
+              </a:rPr>
+            </a:br>
+            <a:endParaRPr kumimoji="0" lang="ko-KR" altLang="ko-KR" sz="1300" b="0" i="0" u="none" strike="noStrike" cap="none" normalizeH="0" baseline="0">
               <a:solidFill>
                 <a:schemeClr val="tx1"/>
               </a:solidFill>
               <a:effectLst/>
-              <a:latin typeface="Arial" panose="020B0604020202020204" pitchFamily="34" charset="0"/>
-            </a:endParaRPr>
-          </a:p>
-          <a:p>
-            <a:pPr marL="0" marR="0" lvl="0" indent="0" algn="l" defTabSz="914400" rtl="0" eaLnBrk="0" fontAlgn="base" latinLnBrk="0" hangingPunct="0">
-              <a:lnSpc>
-                <a:spcPct val="100000"/>
-              </a:lnSpc>
-              <a:spcBef>
-                <a:spcPct val="0"/>
-              </a:spcBef>
-              <a:spcAft>
-                <a:spcPct val="0"/>
-              </a:spcAft>
-              <a:buClrTx/>
-              <a:buSzTx/>
-              <a:buFontTx/>
-              <a:buNone/>
-              <a:tabLst/>
-            </a:pPr>
-            <a:r>
-              <a:rPr kumimoji="0" lang="ko-KR" altLang="ko-KR" sz="1300" b="0" i="0" u="none" strike="noStrike" cap="none" normalizeH="0" baseline="0" dirty="0">
-                <a:ln>
-                  <a:noFill/>
-                </a:ln>
-                <a:solidFill>
-                  <a:srgbClr val="0A0A0A"/>
-                </a:solidFill>
-                <a:effectLst/>
-                <a:latin typeface="Arial" panose="020B0604020202020204" pitchFamily="34" charset="0"/>
-                <a:ea typeface="Google Sans"/>
-              </a:rPr>
-              <a:t>본 프로젝트는 상위 이용 지역의 인구 조사를 통해 전체 우대권 사용자의 비율을 산출하고, 불필요한 이동을 줄여 지역구 활성화 및 이동 분산을 목표로 합니다.</a:t>
-            </a:r>
-            <a:endParaRPr kumimoji="0" lang="ko-KR" altLang="ko-KR" sz="1300" b="0" i="0" u="none" strike="noStrike" cap="none" normalizeH="0" baseline="0" dirty="0">
-              <a:ln>
-                <a:noFill/>
-              </a:ln>
-              <a:solidFill>
-                <a:schemeClr val="tx1"/>
-              </a:solidFill>
-              <a:effectLst/>
-              <a:latin typeface="Arial" panose="020B0604020202020204" pitchFamily="34" charset="0"/>
-            </a:endParaRPr>
-          </a:p>
-          <a:p>
-            <a:pPr marL="0" marR="0" lvl="0" indent="0" algn="l" defTabSz="914400" rtl="0" eaLnBrk="0" fontAlgn="base" latinLnBrk="0" hangingPunct="0">
-              <a:lnSpc>
-                <a:spcPct val="100000"/>
-              </a:lnSpc>
-              <a:spcBef>
-                <a:spcPct val="0"/>
-              </a:spcBef>
-              <a:spcAft>
-                <a:spcPct val="0"/>
-              </a:spcAft>
-              <a:buClrTx/>
-              <a:buSzTx/>
-              <a:buFontTx/>
-              <a:buNone/>
-              <a:tabLst/>
-            </a:pPr>
-            <a:r>
-              <a:rPr kumimoji="0" lang="ko-KR" altLang="ko-KR" sz="1300" b="1" i="0" u="none" strike="noStrike" cap="none" normalizeH="0" baseline="0" dirty="0">
-                <a:ln>
-                  <a:noFill/>
-                </a:ln>
-                <a:solidFill>
-                  <a:srgbClr val="0A0A0A"/>
-                </a:solidFill>
-                <a:effectLst/>
-                <a:latin typeface="Arial" panose="020B0604020202020204" pitchFamily="34" charset="0"/>
-                <a:ea typeface="Google Sans"/>
-              </a:rPr>
-              <a:t>2. 배경 및 필요성 (조사 이유)</a:t>
-            </a:r>
-            <a:endParaRPr kumimoji="0" lang="ko-KR" altLang="ko-KR" sz="1300" b="0" i="0" u="none" strike="noStrike" cap="none" normalizeH="0" baseline="0" dirty="0">
-              <a:ln>
-                <a:noFill/>
-              </a:ln>
-              <a:solidFill>
-                <a:schemeClr val="tx1"/>
-              </a:solidFill>
-              <a:effectLst/>
-              <a:latin typeface="Arial" panose="020B0604020202020204" pitchFamily="34" charset="0"/>
-            </a:endParaRPr>
-          </a:p>
-          <a:p>
-            <a:pPr marL="0" marR="0" lvl="0" indent="0" algn="l" defTabSz="914400" rtl="0" eaLnBrk="0" fontAlgn="base" latinLnBrk="0" hangingPunct="0">
-              <a:lnSpc>
-                <a:spcPct val="100000"/>
-              </a:lnSpc>
-              <a:spcBef>
-                <a:spcPct val="0"/>
-              </a:spcBef>
-              <a:spcAft>
-                <a:spcPct val="0"/>
-              </a:spcAft>
-              <a:buClrTx/>
-              <a:buSzTx/>
-              <a:buFontTx/>
-              <a:buChar char="•"/>
-              <a:tabLst/>
-            </a:pPr>
-            <a:r>
-              <a:rPr kumimoji="0" lang="ko-KR" altLang="ko-KR" sz="1300" b="1" i="0" u="none" strike="noStrike" cap="none" normalizeH="0" baseline="0" dirty="0">
-                <a:ln>
-                  <a:noFill/>
-                </a:ln>
-                <a:solidFill>
-                  <a:srgbClr val="0A0A0A"/>
-                </a:solidFill>
-                <a:effectLst/>
-                <a:latin typeface="Arial" panose="020B0604020202020204" pitchFamily="34" charset="0"/>
-                <a:ea typeface="Google Sans"/>
-              </a:rPr>
-              <a:t>현황 인식:</a:t>
-            </a:r>
-            <a:r>
-              <a:rPr kumimoji="0" lang="ko-KR" altLang="ko-KR" sz="1300" b="0" i="0" u="none" strike="noStrike" cap="none" normalizeH="0" baseline="0" dirty="0">
-                <a:ln>
-                  <a:noFill/>
-                </a:ln>
-                <a:solidFill>
-                  <a:srgbClr val="0A0A0A"/>
-                </a:solidFill>
-                <a:effectLst/>
-                <a:latin typeface="Arial" panose="020B0604020202020204" pitchFamily="34" charset="0"/>
-                <a:ea typeface="Google Sans"/>
-              </a:rPr>
-              <a:t> 우대권 사용자가 특정 지역에 과도하게 집중되는 경향이 관찰되었습니다.</a:t>
-            </a:r>
-          </a:p>
-          <a:p>
-            <a:pPr marL="0" marR="0" lvl="0" indent="0" algn="l" defTabSz="914400" rtl="0" eaLnBrk="0" fontAlgn="base" latinLnBrk="0" hangingPunct="0">
-              <a:lnSpc>
-                <a:spcPct val="100000"/>
-              </a:lnSpc>
-              <a:spcBef>
-                <a:spcPct val="0"/>
-              </a:spcBef>
-              <a:spcAft>
-                <a:spcPct val="0"/>
-              </a:spcAft>
-              <a:buClrTx/>
-              <a:buSzTx/>
-              <a:buFontTx/>
-              <a:buChar char="•"/>
-              <a:tabLst/>
-            </a:pPr>
-            <a:r>
-              <a:rPr kumimoji="0" lang="ko-KR" altLang="ko-KR" sz="1300" b="1" i="0" u="none" strike="noStrike" cap="none" normalizeH="0" baseline="0" dirty="0">
-                <a:ln>
-                  <a:noFill/>
-                </a:ln>
-                <a:solidFill>
-                  <a:srgbClr val="0A0A0A"/>
-                </a:solidFill>
-                <a:effectLst/>
-                <a:latin typeface="Arial" panose="020B0604020202020204" pitchFamily="34" charset="0"/>
-                <a:ea typeface="Google Sans"/>
-              </a:rPr>
-              <a:t>문제 제기:</a:t>
-            </a:r>
-            <a:r>
-              <a:rPr kumimoji="0" lang="ko-KR" altLang="ko-KR" sz="1300" b="0" i="0" u="none" strike="noStrike" cap="none" normalizeH="0" baseline="0" dirty="0">
-                <a:ln>
-                  <a:noFill/>
-                </a:ln>
-                <a:solidFill>
-                  <a:srgbClr val="0A0A0A"/>
-                </a:solidFill>
-                <a:effectLst/>
-                <a:latin typeface="Arial" panose="020B0604020202020204" pitchFamily="34" charset="0"/>
-                <a:ea typeface="Google Sans"/>
-              </a:rPr>
-              <a:t> 특정 상위 이용 지역으로의 집중은 불필요한 이동을 야기하며, 상대적으로 타 지역구의 활성화를 저해할 수 있습니다.</a:t>
-            </a:r>
-          </a:p>
-          <a:p>
-            <a:pPr marL="0" marR="0" lvl="0" indent="0" algn="l" defTabSz="914400" rtl="0" eaLnBrk="0" fontAlgn="base" latinLnBrk="0" hangingPunct="0">
-              <a:lnSpc>
-                <a:spcPct val="100000"/>
-              </a:lnSpc>
-              <a:spcBef>
-                <a:spcPct val="0"/>
-              </a:spcBef>
-              <a:spcAft>
-                <a:spcPct val="0"/>
-              </a:spcAft>
-              <a:buClrTx/>
-              <a:buSzTx/>
-              <a:buFontTx/>
-              <a:buChar char="•"/>
-              <a:tabLst/>
-            </a:pPr>
-            <a:r>
-              <a:rPr kumimoji="0" lang="ko-KR" altLang="ko-KR" sz="1300" b="1" i="0" u="none" strike="noStrike" cap="none" normalizeH="0" baseline="0" dirty="0">
-                <a:ln>
-                  <a:noFill/>
-                </a:ln>
-                <a:solidFill>
-                  <a:srgbClr val="0A0A0A"/>
-                </a:solidFill>
-                <a:effectLst/>
-                <a:latin typeface="Arial" panose="020B0604020202020204" pitchFamily="34" charset="0"/>
-                <a:ea typeface="Google Sans"/>
-              </a:rPr>
-              <a:t>조사 목적:</a:t>
-            </a:r>
-            <a:r>
-              <a:rPr kumimoji="0" lang="ko-KR" altLang="ko-KR" sz="1300" b="0" i="0" u="none" strike="noStrike" cap="none" normalizeH="0" baseline="0" dirty="0">
-                <a:ln>
-                  <a:noFill/>
-                </a:ln>
-                <a:solidFill>
-                  <a:srgbClr val="0A0A0A"/>
-                </a:solidFill>
-                <a:effectLst/>
-                <a:latin typeface="Arial" panose="020B0604020202020204" pitchFamily="34" charset="0"/>
-                <a:ea typeface="Google Sans"/>
-              </a:rPr>
-              <a:t> 인구 조사를 통해 전체 우대권 사용자 중 상위 이용 지역 방문자 비율을 산출하고, 해당 비율만큼 이동이 분산될 경우의 지역 활성화 효과를 판단하고자 합니다.</a:t>
-            </a:r>
-          </a:p>
-          <a:p>
-            <a:pPr marL="0" marR="0" lvl="0" indent="0" algn="l" defTabSz="914400" rtl="0" eaLnBrk="0" fontAlgn="base" latinLnBrk="0" hangingPunct="0">
-              <a:lnSpc>
-                <a:spcPct val="100000"/>
-              </a:lnSpc>
-              <a:spcBef>
-                <a:spcPct val="0"/>
-              </a:spcBef>
-              <a:spcAft>
-                <a:spcPct val="0"/>
-              </a:spcAft>
-              <a:buClrTx/>
-              <a:buSzTx/>
-              <a:buFontTx/>
-              <a:buNone/>
-              <a:tabLst/>
-            </a:pPr>
-            <a:r>
-              <a:rPr kumimoji="0" lang="ko-KR" altLang="ko-KR" sz="1300" b="1" i="0" u="none" strike="noStrike" cap="none" normalizeH="0" baseline="0" dirty="0">
-                <a:ln>
-                  <a:noFill/>
-                </a:ln>
-                <a:solidFill>
-                  <a:srgbClr val="0A0A0A"/>
-                </a:solidFill>
-                <a:effectLst/>
-                <a:latin typeface="Arial" panose="020B0604020202020204" pitchFamily="34" charset="0"/>
-                <a:ea typeface="Google Sans"/>
-              </a:rPr>
-              <a:t>3. 목적 및 목표 (예상 결과 포함)</a:t>
-            </a:r>
-            <a:endParaRPr kumimoji="0" lang="ko-KR" altLang="ko-KR" sz="1300" b="0" i="0" u="none" strike="noStrike" cap="none" normalizeH="0" baseline="0" dirty="0">
-              <a:ln>
-                <a:noFill/>
-              </a:ln>
-              <a:solidFill>
-                <a:schemeClr val="tx1"/>
-              </a:solidFill>
-              <a:effectLst/>
-              <a:latin typeface="Arial" panose="020B0604020202020204" pitchFamily="34" charset="0"/>
-            </a:endParaRPr>
-          </a:p>
-          <a:p>
-            <a:pPr marL="0" marR="0" lvl="0" indent="0" algn="l" defTabSz="914400" rtl="0" eaLnBrk="0" fontAlgn="base" latinLnBrk="0" hangingPunct="0">
-              <a:lnSpc>
-                <a:spcPct val="100000"/>
-              </a:lnSpc>
-              <a:spcBef>
-                <a:spcPct val="0"/>
-              </a:spcBef>
-              <a:spcAft>
-                <a:spcPct val="0"/>
-              </a:spcAft>
-              <a:buClrTx/>
-              <a:buSzTx/>
-              <a:buFontTx/>
-              <a:buChar char="•"/>
-              <a:tabLst/>
-            </a:pPr>
-            <a:r>
-              <a:rPr kumimoji="0" lang="ko-KR" altLang="ko-KR" sz="1300" b="1" i="0" u="none" strike="noStrike" cap="none" normalizeH="0" baseline="0" dirty="0">
-                <a:ln>
-                  <a:noFill/>
-                </a:ln>
-                <a:solidFill>
-                  <a:srgbClr val="0A0A0A"/>
-                </a:solidFill>
-                <a:effectLst/>
-                <a:latin typeface="Arial" panose="020B0604020202020204" pitchFamily="34" charset="0"/>
-                <a:ea typeface="Google Sans"/>
-              </a:rPr>
-              <a:t>궁극적 목적:</a:t>
-            </a:r>
-            <a:r>
-              <a:rPr kumimoji="0" lang="ko-KR" altLang="ko-KR" sz="1300" b="0" i="0" u="none" strike="noStrike" cap="none" normalizeH="0" baseline="0" dirty="0">
-                <a:ln>
-                  <a:noFill/>
-                </a:ln>
-                <a:solidFill>
-                  <a:srgbClr val="0A0A0A"/>
-                </a:solidFill>
-                <a:effectLst/>
-                <a:latin typeface="Arial" panose="020B0604020202020204" pitchFamily="34" charset="0"/>
-                <a:ea typeface="Google Sans"/>
-              </a:rPr>
-              <a:t> 우대권 사용자의 편의 증진 및 안전한 이동 환경 조성, 지역 간 균형 발전 도모.</a:t>
-            </a:r>
-          </a:p>
-          <a:p>
-            <a:pPr marL="0" marR="0" lvl="0" indent="0" algn="l" defTabSz="914400" rtl="0" eaLnBrk="0" fontAlgn="base" latinLnBrk="0" hangingPunct="0">
-              <a:lnSpc>
-                <a:spcPct val="100000"/>
-              </a:lnSpc>
-              <a:spcBef>
-                <a:spcPct val="0"/>
-              </a:spcBef>
-              <a:spcAft>
-                <a:spcPct val="0"/>
-              </a:spcAft>
-              <a:buClrTx/>
-              <a:buSzTx/>
-              <a:buFontTx/>
-              <a:buChar char="•"/>
-              <a:tabLst/>
-            </a:pPr>
-            <a:r>
-              <a:rPr kumimoji="0" lang="ko-KR" altLang="ko-KR" sz="1300" b="1" i="0" u="none" strike="noStrike" cap="none" normalizeH="0" baseline="0" dirty="0">
-                <a:ln>
-                  <a:noFill/>
-                </a:ln>
-                <a:solidFill>
-                  <a:srgbClr val="0A0A0A"/>
-                </a:solidFill>
-                <a:effectLst/>
-                <a:latin typeface="Arial" panose="020B0604020202020204" pitchFamily="34" charset="0"/>
-                <a:ea typeface="Google Sans"/>
-              </a:rPr>
-              <a:t>세부 목표:</a:t>
-            </a:r>
-            <a:endParaRPr kumimoji="0" lang="ko-KR" altLang="ko-KR" sz="1300" b="0" i="0" u="none" strike="noStrike" cap="none" normalizeH="0" baseline="0" dirty="0">
-              <a:ln>
-                <a:noFill/>
-              </a:ln>
-              <a:solidFill>
-                <a:srgbClr val="0A0A0A"/>
-              </a:solidFill>
-              <a:effectLst/>
-              <a:latin typeface="Arial" panose="020B0604020202020204" pitchFamily="34" charset="0"/>
-              <a:ea typeface="Google Sans"/>
-            </a:endParaRPr>
-          </a:p>
-          <a:p>
-            <a:pPr marL="457200" marR="0" lvl="1" indent="0" algn="l" defTabSz="914400" rtl="0" eaLnBrk="0" fontAlgn="base" latinLnBrk="0" hangingPunct="0">
-              <a:lnSpc>
-                <a:spcPct val="100000"/>
-              </a:lnSpc>
-              <a:spcBef>
-                <a:spcPct val="0"/>
-              </a:spcBef>
-              <a:spcAft>
-                <a:spcPct val="0"/>
-              </a:spcAft>
-              <a:buClrTx/>
-              <a:buSzTx/>
-              <a:buFontTx/>
-              <a:buChar char="•"/>
-              <a:tabLst/>
-            </a:pPr>
-            <a:r>
-              <a:rPr kumimoji="0" lang="ko-KR" altLang="ko-KR" sz="1300" b="1" i="0" u="none" strike="noStrike" cap="none" normalizeH="0" baseline="0" dirty="0">
-                <a:ln>
-                  <a:noFill/>
-                </a:ln>
-                <a:solidFill>
-                  <a:srgbClr val="0A0A0A"/>
-                </a:solidFill>
-                <a:effectLst/>
-                <a:latin typeface="Arial" panose="020B0604020202020204" pitchFamily="34" charset="0"/>
-                <a:ea typeface="Google Sans"/>
-              </a:rPr>
-              <a:t>이동 패턴 분석:</a:t>
-            </a:r>
-            <a:r>
-              <a:rPr kumimoji="0" lang="ko-KR" altLang="ko-KR" sz="1300" b="0" i="0" u="none" strike="noStrike" cap="none" normalizeH="0" baseline="0" dirty="0">
-                <a:ln>
-                  <a:noFill/>
-                </a:ln>
-                <a:solidFill>
-                  <a:srgbClr val="0A0A0A"/>
-                </a:solidFill>
-                <a:effectLst/>
-                <a:latin typeface="Arial" panose="020B0604020202020204" pitchFamily="34" charset="0"/>
-                <a:ea typeface="Google Sans"/>
-              </a:rPr>
-              <a:t> </a:t>
-            </a:r>
-            <a:r>
-              <a:rPr kumimoji="0" lang="ko-KR" altLang="ko-KR" sz="1300" b="0" i="0" u="none" strike="noStrike" cap="none" normalizeH="0" baseline="0" dirty="0" err="1">
-                <a:ln>
-                  <a:noFill/>
-                </a:ln>
-                <a:solidFill>
-                  <a:srgbClr val="0A0A0A"/>
-                </a:solidFill>
-                <a:effectLst/>
-                <a:latin typeface="Arial" panose="020B0604020202020204" pitchFamily="34" charset="0"/>
-                <a:ea typeface="Google Sans"/>
-              </a:rPr>
-              <a:t>탑골</a:t>
-            </a:r>
-            <a:r>
-              <a:rPr kumimoji="0" lang="ko-KR" altLang="ko-KR" sz="1300" b="0" i="0" u="none" strike="noStrike" cap="none" normalizeH="0" baseline="0" dirty="0">
-                <a:ln>
-                  <a:noFill/>
-                </a:ln>
-                <a:solidFill>
-                  <a:srgbClr val="0A0A0A"/>
-                </a:solidFill>
-                <a:effectLst/>
-                <a:latin typeface="Arial" panose="020B0604020202020204" pitchFamily="34" charset="0"/>
-                <a:ea typeface="Google Sans"/>
-              </a:rPr>
-              <a:t> 공원 등 주요 집결지로의 이동 원인 분석 (</a:t>
-            </a:r>
-            <a:r>
-              <a:rPr kumimoji="0" lang="ko-KR" altLang="ko-KR" sz="1300" b="0" i="0" u="none" strike="noStrike" cap="none" normalizeH="0" baseline="0" dirty="0" err="1">
-                <a:ln>
-                  <a:noFill/>
-                </a:ln>
-                <a:solidFill>
-                  <a:srgbClr val="0A0A0A"/>
-                </a:solidFill>
-                <a:effectLst/>
-                <a:latin typeface="Arial" panose="020B0604020202020204" pitchFamily="34" charset="0"/>
-                <a:ea typeface="Google Sans"/>
-              </a:rPr>
-              <a:t>승하차</a:t>
-            </a:r>
-            <a:r>
-              <a:rPr kumimoji="0" lang="ko-KR" altLang="ko-KR" sz="1300" b="0" i="0" u="none" strike="noStrike" cap="none" normalizeH="0" baseline="0" dirty="0">
-                <a:ln>
-                  <a:noFill/>
-                </a:ln>
-                <a:solidFill>
-                  <a:srgbClr val="0A0A0A"/>
-                </a:solidFill>
-                <a:effectLst/>
-                <a:latin typeface="Arial" panose="020B0604020202020204" pitchFamily="34" charset="0"/>
-                <a:ea typeface="Google Sans"/>
-              </a:rPr>
-              <a:t> 상위/하위 5개 역 비교).</a:t>
-            </a:r>
-          </a:p>
-          <a:p>
-            <a:pPr marL="457200" marR="0" lvl="1" indent="0" algn="l" defTabSz="914400" rtl="0" eaLnBrk="0" fontAlgn="base" latinLnBrk="0" hangingPunct="0">
-              <a:lnSpc>
-                <a:spcPct val="100000"/>
-              </a:lnSpc>
-              <a:spcBef>
-                <a:spcPct val="0"/>
-              </a:spcBef>
-              <a:spcAft>
-                <a:spcPct val="0"/>
-              </a:spcAft>
-              <a:buClrTx/>
-              <a:buSzTx/>
-              <a:buFontTx/>
-              <a:buChar char="•"/>
-              <a:tabLst/>
-            </a:pPr>
-            <a:r>
-              <a:rPr kumimoji="0" lang="ko-KR" altLang="ko-KR" sz="1300" b="1" i="0" u="none" strike="noStrike" cap="none" normalizeH="0" baseline="0" dirty="0">
-                <a:ln>
-                  <a:noFill/>
-                </a:ln>
-                <a:solidFill>
-                  <a:srgbClr val="0A0A0A"/>
-                </a:solidFill>
-                <a:effectLst/>
-                <a:latin typeface="Arial" panose="020B0604020202020204" pitchFamily="34" charset="0"/>
-                <a:ea typeface="Google Sans"/>
-              </a:rPr>
-              <a:t>시설 비교 및 개선:</a:t>
-            </a:r>
-            <a:r>
-              <a:rPr kumimoji="0" lang="ko-KR" altLang="ko-KR" sz="1300" b="0" i="0" u="none" strike="noStrike" cap="none" normalizeH="0" baseline="0" dirty="0">
-                <a:ln>
-                  <a:noFill/>
-                </a:ln>
-                <a:solidFill>
-                  <a:srgbClr val="0A0A0A"/>
-                </a:solidFill>
-                <a:effectLst/>
-                <a:latin typeface="Arial" panose="020B0604020202020204" pitchFamily="34" charset="0"/>
-                <a:ea typeface="Google Sans"/>
-              </a:rPr>
-              <a:t> 집중 지역과 </a:t>
-            </a:r>
-            <a:r>
-              <a:rPr kumimoji="0" lang="ko-KR" altLang="ko-KR" sz="1300" b="0" i="0" u="none" strike="noStrike" cap="none" normalizeH="0" baseline="0" dirty="0" err="1">
-                <a:ln>
-                  <a:noFill/>
-                </a:ln>
-                <a:solidFill>
-                  <a:srgbClr val="0A0A0A"/>
-                </a:solidFill>
-                <a:effectLst/>
-                <a:latin typeface="Arial" panose="020B0604020202020204" pitchFamily="34" charset="0"/>
-                <a:ea typeface="Google Sans"/>
-              </a:rPr>
-              <a:t>비집중</a:t>
-            </a:r>
-            <a:r>
-              <a:rPr kumimoji="0" lang="ko-KR" altLang="ko-KR" sz="1300" b="0" i="0" u="none" strike="noStrike" cap="none" normalizeH="0" baseline="0" dirty="0">
-                <a:ln>
-                  <a:noFill/>
-                </a:ln>
-                <a:solidFill>
-                  <a:srgbClr val="0A0A0A"/>
-                </a:solidFill>
-                <a:effectLst/>
-                <a:latin typeface="Arial" panose="020B0604020202020204" pitchFamily="34" charset="0"/>
-                <a:ea typeface="Google Sans"/>
-              </a:rPr>
-              <a:t> 지역의 편의 시설(공원, 무료 급식소, 상권 가격 등)을 비교 분석하여 시설 확충 및 개선 방안 제시.</a:t>
-            </a:r>
-          </a:p>
-          <a:p>
-            <a:pPr marL="457200" marR="0" lvl="1" indent="0" algn="l" defTabSz="914400" rtl="0" eaLnBrk="0" fontAlgn="base" latinLnBrk="0" hangingPunct="0">
-              <a:lnSpc>
-                <a:spcPct val="100000"/>
-              </a:lnSpc>
-              <a:spcBef>
-                <a:spcPct val="0"/>
-              </a:spcBef>
-              <a:spcAft>
-                <a:spcPct val="0"/>
-              </a:spcAft>
-              <a:buClrTx/>
-              <a:buSzTx/>
-              <a:buFontTx/>
-              <a:buChar char="•"/>
-              <a:tabLst/>
-            </a:pPr>
-            <a:r>
-              <a:rPr kumimoji="0" lang="ko-KR" altLang="ko-KR" sz="1300" b="1" i="0" u="none" strike="noStrike" cap="none" normalizeH="0" baseline="0" dirty="0">
-                <a:ln>
-                  <a:noFill/>
-                </a:ln>
-                <a:solidFill>
-                  <a:srgbClr val="0A0A0A"/>
-                </a:solidFill>
-                <a:effectLst/>
-                <a:latin typeface="Arial" panose="020B0604020202020204" pitchFamily="34" charset="0"/>
-                <a:ea typeface="Google Sans"/>
-              </a:rPr>
-              <a:t>기대 효과:</a:t>
-            </a:r>
-            <a:r>
-              <a:rPr kumimoji="0" lang="ko-KR" altLang="ko-KR" sz="1300" b="0" i="0" u="none" strike="noStrike" cap="none" normalizeH="0" baseline="0" dirty="0">
-                <a:ln>
-                  <a:noFill/>
-                </a:ln>
-                <a:solidFill>
-                  <a:srgbClr val="0A0A0A"/>
-                </a:solidFill>
-                <a:effectLst/>
-                <a:latin typeface="Arial" panose="020B0604020202020204" pitchFamily="34" charset="0"/>
-                <a:ea typeface="Google Sans"/>
-              </a:rPr>
-              <a:t> 지하철 이용객 분산 및 전반적인 지하철 사고 비율 감소 예상.</a:t>
-            </a:r>
-          </a:p>
-          <a:p>
-            <a:pPr marL="0" marR="0" lvl="0" indent="0" algn="l" defTabSz="914400" rtl="0" eaLnBrk="0" fontAlgn="base" latinLnBrk="0" hangingPunct="0">
-              <a:lnSpc>
-                <a:spcPct val="100000"/>
-              </a:lnSpc>
-              <a:spcBef>
-                <a:spcPct val="0"/>
-              </a:spcBef>
-              <a:spcAft>
-                <a:spcPct val="0"/>
-              </a:spcAft>
-              <a:buClrTx/>
-              <a:buSzTx/>
-              <a:buFontTx/>
-              <a:buNone/>
-              <a:tabLst/>
-            </a:pPr>
-            <a:r>
-              <a:rPr kumimoji="0" lang="ko-KR" altLang="ko-KR" sz="1300" b="1" i="0" u="none" strike="noStrike" cap="none" normalizeH="0" baseline="0" dirty="0">
-                <a:ln>
-                  <a:noFill/>
-                </a:ln>
-                <a:solidFill>
-                  <a:srgbClr val="0A0A0A"/>
-                </a:solidFill>
-                <a:effectLst/>
-                <a:latin typeface="Arial" panose="020B0604020202020204" pitchFamily="34" charset="0"/>
-                <a:ea typeface="Google Sans"/>
-              </a:rPr>
-              <a:t>4. 조사 방법 및 데이터 (자료)</a:t>
-            </a:r>
-            <a:endParaRPr kumimoji="0" lang="ko-KR" altLang="ko-KR" sz="1300" b="0" i="0" u="none" strike="noStrike" cap="none" normalizeH="0" baseline="0" dirty="0">
-              <a:ln>
-                <a:noFill/>
-              </a:ln>
-              <a:solidFill>
-                <a:schemeClr val="tx1"/>
-              </a:solidFill>
-              <a:effectLst/>
-              <a:latin typeface="Arial" panose="020B0604020202020204" pitchFamily="34" charset="0"/>
-            </a:endParaRPr>
-          </a:p>
-          <a:p>
-            <a:pPr marL="0" marR="0" lvl="0" indent="0" algn="l" defTabSz="914400" rtl="0" eaLnBrk="0" fontAlgn="base" latinLnBrk="0" hangingPunct="0">
-              <a:lnSpc>
-                <a:spcPct val="100000"/>
-              </a:lnSpc>
-              <a:spcBef>
-                <a:spcPct val="0"/>
-              </a:spcBef>
-              <a:spcAft>
-                <a:spcPct val="0"/>
-              </a:spcAft>
-              <a:buClrTx/>
-              <a:buSzTx/>
-              <a:buFontTx/>
-              <a:buChar char="•"/>
-              <a:tabLst/>
-            </a:pPr>
-            <a:r>
-              <a:rPr kumimoji="0" lang="ko-KR" altLang="ko-KR" sz="1300" b="1" i="0" u="none" strike="noStrike" cap="none" normalizeH="0" baseline="0" dirty="0">
-                <a:ln>
-                  <a:noFill/>
-                </a:ln>
-                <a:solidFill>
-                  <a:srgbClr val="0A0A0A"/>
-                </a:solidFill>
-                <a:effectLst/>
-                <a:latin typeface="Arial" panose="020B0604020202020204" pitchFamily="34" charset="0"/>
-                <a:ea typeface="Google Sans"/>
-              </a:rPr>
-              <a:t>데이터 범위:</a:t>
-            </a:r>
-            <a:r>
-              <a:rPr kumimoji="0" lang="ko-KR" altLang="ko-KR" sz="1300" b="0" i="0" u="none" strike="noStrike" cap="none" normalizeH="0" baseline="0" dirty="0">
-                <a:ln>
-                  <a:noFill/>
-                </a:ln>
-                <a:solidFill>
-                  <a:srgbClr val="0A0A0A"/>
-                </a:solidFill>
-                <a:effectLst/>
-                <a:latin typeface="Arial" panose="020B0604020202020204" pitchFamily="34" charset="0"/>
-                <a:ea typeface="Google Sans"/>
-              </a:rPr>
-              <a:t> 2022년부터 2024년까지의 전체 우대권 사용자 지하철 이용 데이터.</a:t>
-            </a:r>
-          </a:p>
-          <a:p>
-            <a:pPr marL="0" marR="0" lvl="0" indent="0" algn="l" defTabSz="914400" rtl="0" eaLnBrk="0" fontAlgn="base" latinLnBrk="0" hangingPunct="0">
-              <a:lnSpc>
-                <a:spcPct val="100000"/>
-              </a:lnSpc>
-              <a:spcBef>
-                <a:spcPct val="0"/>
-              </a:spcBef>
-              <a:spcAft>
-                <a:spcPct val="0"/>
-              </a:spcAft>
-              <a:buClrTx/>
-              <a:buSzTx/>
-              <a:buFontTx/>
-              <a:buChar char="•"/>
-              <a:tabLst/>
-            </a:pPr>
-            <a:r>
-              <a:rPr kumimoji="0" lang="ko-KR" altLang="ko-KR" sz="1300" b="1" i="0" u="none" strike="noStrike" cap="none" normalizeH="0" baseline="0" dirty="0">
-                <a:ln>
-                  <a:noFill/>
-                </a:ln>
-                <a:solidFill>
-                  <a:srgbClr val="0A0A0A"/>
-                </a:solidFill>
-                <a:effectLst/>
-                <a:latin typeface="Arial" panose="020B0604020202020204" pitchFamily="34" charset="0"/>
-                <a:ea typeface="Google Sans"/>
-              </a:rPr>
-              <a:t>조사 대상:</a:t>
-            </a:r>
-            <a:endParaRPr kumimoji="0" lang="ko-KR" altLang="ko-KR" sz="1300" b="0" i="0" u="none" strike="noStrike" cap="none" normalizeH="0" baseline="0" dirty="0">
-              <a:ln>
-                <a:noFill/>
-              </a:ln>
-              <a:solidFill>
-                <a:srgbClr val="0A0A0A"/>
-              </a:solidFill>
-              <a:effectLst/>
-              <a:latin typeface="Arial" panose="020B0604020202020204" pitchFamily="34" charset="0"/>
-              <a:ea typeface="Google Sans"/>
-            </a:endParaRPr>
-          </a:p>
-          <a:p>
-            <a:pPr marL="457200" marR="0" lvl="1" indent="0" algn="l" defTabSz="914400" rtl="0" eaLnBrk="0" fontAlgn="base" latinLnBrk="0" hangingPunct="0">
-              <a:lnSpc>
-                <a:spcPct val="100000"/>
-              </a:lnSpc>
-              <a:spcBef>
-                <a:spcPct val="0"/>
-              </a:spcBef>
-              <a:spcAft>
-                <a:spcPct val="0"/>
-              </a:spcAft>
-              <a:buClrTx/>
-              <a:buSzTx/>
-              <a:buFontTx/>
-              <a:buChar char="•"/>
-              <a:tabLst/>
-            </a:pPr>
-            <a:r>
-              <a:rPr kumimoji="0" lang="ko-KR" altLang="ko-KR" sz="1300" b="0" i="0" u="none" strike="noStrike" cap="none" normalizeH="0" baseline="0" dirty="0">
-                <a:ln>
-                  <a:noFill/>
-                </a:ln>
-                <a:solidFill>
-                  <a:srgbClr val="0A0A0A"/>
-                </a:solidFill>
-                <a:effectLst/>
-                <a:latin typeface="Arial" panose="020B0604020202020204" pitchFamily="34" charset="0"/>
-                <a:ea typeface="Google Sans"/>
-              </a:rPr>
-              <a:t>전체 우대권 사용자 수 및 이용 비율.</a:t>
-            </a:r>
-          </a:p>
-          <a:p>
-            <a:pPr marL="457200" marR="0" lvl="1" indent="0" algn="l" defTabSz="914400" rtl="0" eaLnBrk="0" fontAlgn="base" latinLnBrk="0" hangingPunct="0">
-              <a:lnSpc>
-                <a:spcPct val="100000"/>
-              </a:lnSpc>
-              <a:spcBef>
-                <a:spcPct val="0"/>
-              </a:spcBef>
-              <a:spcAft>
-                <a:spcPct val="0"/>
-              </a:spcAft>
-              <a:buClrTx/>
-              <a:buSzTx/>
-              <a:buFontTx/>
-              <a:buChar char="•"/>
-              <a:tabLst/>
-            </a:pPr>
-            <a:r>
-              <a:rPr kumimoji="0" lang="ko-KR" altLang="ko-KR" sz="1300" b="0" i="0" u="none" strike="noStrike" cap="none" normalizeH="0" baseline="0" dirty="0" err="1">
-                <a:ln>
-                  <a:noFill/>
-                </a:ln>
-                <a:solidFill>
-                  <a:srgbClr val="0A0A0A"/>
-                </a:solidFill>
-                <a:effectLst/>
-                <a:latin typeface="Arial" panose="020B0604020202020204" pitchFamily="34" charset="0"/>
-                <a:ea typeface="Google Sans"/>
-              </a:rPr>
-              <a:t>승하차</a:t>
-            </a:r>
-            <a:r>
-              <a:rPr kumimoji="0" lang="ko-KR" altLang="ko-KR" sz="1300" b="0" i="0" u="none" strike="noStrike" cap="none" normalizeH="0" baseline="0" dirty="0">
-                <a:ln>
-                  <a:noFill/>
-                </a:ln>
-                <a:solidFill>
-                  <a:srgbClr val="0A0A0A"/>
-                </a:solidFill>
-                <a:effectLst/>
-                <a:latin typeface="Arial" panose="020B0604020202020204" pitchFamily="34" charset="0"/>
-                <a:ea typeface="Google Sans"/>
-              </a:rPr>
-              <a:t> 기준 상위 5개 역 및 하위 5개 역.</a:t>
-            </a:r>
-          </a:p>
-          <a:p>
-            <a:pPr marL="457200" marR="0" lvl="1" indent="0" algn="l" defTabSz="914400" rtl="0" eaLnBrk="0" fontAlgn="base" latinLnBrk="0" hangingPunct="0">
-              <a:lnSpc>
-                <a:spcPct val="100000"/>
-              </a:lnSpc>
-              <a:spcBef>
-                <a:spcPct val="0"/>
-              </a:spcBef>
-              <a:spcAft>
-                <a:spcPct val="0"/>
-              </a:spcAft>
-              <a:buClrTx/>
-              <a:buSzTx/>
-              <a:buFontTx/>
-              <a:buChar char="•"/>
-              <a:tabLst/>
-            </a:pPr>
-            <a:r>
-              <a:rPr kumimoji="0" lang="ko-KR" altLang="ko-KR" sz="1300" b="0" i="0" u="none" strike="noStrike" cap="none" normalizeH="0" baseline="0" dirty="0">
-                <a:ln>
-                  <a:noFill/>
-                </a:ln>
-                <a:solidFill>
-                  <a:srgbClr val="0A0A0A"/>
-                </a:solidFill>
-                <a:effectLst/>
-                <a:latin typeface="Arial" panose="020B0604020202020204" pitchFamily="34" charset="0"/>
-                <a:ea typeface="Google Sans"/>
-              </a:rPr>
-              <a:t>조사 대상 10개 역 주변 지역구의 편의 시설 현황(공원, 무료 급식소, 상권 가격).</a:t>
-            </a:r>
-          </a:p>
-          <a:p>
-            <a:pPr marL="0" marR="0" lvl="0" indent="0" algn="l" defTabSz="914400" rtl="0" eaLnBrk="0" fontAlgn="base" latinLnBrk="0" hangingPunct="0">
-              <a:lnSpc>
-                <a:spcPct val="100000"/>
-              </a:lnSpc>
-              <a:spcBef>
-                <a:spcPct val="0"/>
-              </a:spcBef>
-              <a:spcAft>
-                <a:spcPct val="0"/>
-              </a:spcAft>
-              <a:buClrTx/>
-              <a:buSzTx/>
-              <a:buFontTx/>
-              <a:buChar char="•"/>
-              <a:tabLst/>
-            </a:pPr>
-            <a:r>
-              <a:rPr kumimoji="0" lang="ko-KR" altLang="ko-KR" sz="1300" b="1" i="0" u="none" strike="noStrike" cap="none" normalizeH="0" baseline="0" dirty="0">
-                <a:ln>
-                  <a:noFill/>
-                </a:ln>
-                <a:solidFill>
-                  <a:srgbClr val="0A0A0A"/>
-                </a:solidFill>
-                <a:effectLst/>
-                <a:latin typeface="Arial" panose="020B0604020202020204" pitchFamily="34" charset="0"/>
-                <a:ea typeface="Google Sans"/>
-              </a:rPr>
-              <a:t>분석 방법:</a:t>
-            </a:r>
-            <a:r>
-              <a:rPr kumimoji="0" lang="ko-KR" altLang="ko-KR" sz="1300" b="0" i="0" u="none" strike="noStrike" cap="none" normalizeH="0" baseline="0" dirty="0">
-                <a:ln>
-                  <a:noFill/>
-                </a:ln>
-                <a:solidFill>
-                  <a:srgbClr val="0A0A0A"/>
-                </a:solidFill>
-                <a:effectLst/>
-                <a:latin typeface="Arial" panose="020B0604020202020204" pitchFamily="34" charset="0"/>
-                <a:ea typeface="Google Sans"/>
-              </a:rPr>
-              <a:t> 데이터 기반의 정량적 분석 및 현장 시설에 대한 정성적 비교 분석 병행.</a:t>
-            </a:r>
-          </a:p>
-          <a:p>
-            <a:pPr marL="0" marR="0" lvl="0" indent="0" algn="l" defTabSz="914400" rtl="0" eaLnBrk="0" fontAlgn="base" latinLnBrk="0" hangingPunct="0">
-              <a:lnSpc>
-                <a:spcPct val="100000"/>
-              </a:lnSpc>
-              <a:spcBef>
-                <a:spcPct val="0"/>
-              </a:spcBef>
-              <a:spcAft>
-                <a:spcPct val="0"/>
-              </a:spcAft>
-              <a:buClrTx/>
-              <a:buSzTx/>
-              <a:buFontTx/>
-              <a:buNone/>
-              <a:tabLst/>
-            </a:pPr>
-            <a:r>
-              <a:rPr kumimoji="0" lang="ko-KR" altLang="ko-KR" sz="1300" b="1" i="0" u="none" strike="noStrike" cap="none" normalizeH="0" baseline="0" dirty="0">
-                <a:ln>
-                  <a:noFill/>
-                </a:ln>
-                <a:solidFill>
-                  <a:srgbClr val="0A0A0A"/>
-                </a:solidFill>
-                <a:effectLst/>
-                <a:latin typeface="Arial" panose="020B0604020202020204" pitchFamily="34" charset="0"/>
-                <a:ea typeface="Google Sans"/>
-              </a:rPr>
-              <a:t>5. 분석 결과 (작업 결과)</a:t>
-            </a:r>
-            <a:endParaRPr kumimoji="0" lang="ko-KR" altLang="ko-KR" sz="1300" b="0" i="0" u="none" strike="noStrike" cap="none" normalizeH="0" baseline="0" dirty="0">
-              <a:ln>
-                <a:noFill/>
-              </a:ln>
-              <a:solidFill>
-                <a:schemeClr val="tx1"/>
-              </a:solidFill>
-              <a:effectLst/>
-              <a:latin typeface="Arial" panose="020B0604020202020204" pitchFamily="34" charset="0"/>
-            </a:endParaRPr>
-          </a:p>
-          <a:p>
-            <a:pPr marL="0" marR="0" lvl="0" indent="0" algn="l" defTabSz="914400" rtl="0" eaLnBrk="0" fontAlgn="base" latinLnBrk="0" hangingPunct="0">
-              <a:lnSpc>
-                <a:spcPct val="100000"/>
-              </a:lnSpc>
-              <a:spcBef>
-                <a:spcPct val="0"/>
-              </a:spcBef>
-              <a:spcAft>
-                <a:spcPct val="0"/>
-              </a:spcAft>
-              <a:buClrTx/>
-              <a:buSzTx/>
-              <a:buFontTx/>
-              <a:buChar char="•"/>
-              <a:tabLst/>
-            </a:pPr>
-            <a:r>
-              <a:rPr kumimoji="0" lang="ko-KR" altLang="ko-KR" sz="1300" b="1" i="0" u="none" strike="noStrike" cap="none" normalizeH="0" baseline="0" dirty="0">
-                <a:ln>
-                  <a:noFill/>
-                </a:ln>
-                <a:solidFill>
-                  <a:srgbClr val="0A0A0A"/>
-                </a:solidFill>
-                <a:effectLst/>
-                <a:latin typeface="Arial" panose="020B0604020202020204" pitchFamily="34" charset="0"/>
-                <a:ea typeface="Google Sans"/>
-              </a:rPr>
-              <a:t>주요 집결지 변화:</a:t>
-            </a:r>
-            <a:r>
-              <a:rPr kumimoji="0" lang="ko-KR" altLang="ko-KR" sz="1300" b="0" i="0" u="none" strike="noStrike" cap="none" normalizeH="0" baseline="0" dirty="0">
-                <a:ln>
-                  <a:noFill/>
-                </a:ln>
-                <a:solidFill>
-                  <a:srgbClr val="0A0A0A"/>
-                </a:solidFill>
-                <a:effectLst/>
-                <a:latin typeface="Arial" panose="020B0604020202020204" pitchFamily="34" charset="0"/>
-                <a:ea typeface="Google Sans"/>
-              </a:rPr>
-              <a:t> 당초 예상과 달리, 우대권 사용자가 가장 많이 이용하는 역은 </a:t>
-            </a:r>
-            <a:r>
-              <a:rPr kumimoji="0" lang="ko-KR" altLang="ko-KR" sz="1300" b="0" i="0" u="none" strike="noStrike" cap="none" normalizeH="0" baseline="0" dirty="0" err="1">
-                <a:ln>
-                  <a:noFill/>
-                </a:ln>
-                <a:solidFill>
-                  <a:srgbClr val="0A0A0A"/>
-                </a:solidFill>
-                <a:effectLst/>
-                <a:latin typeface="Arial" panose="020B0604020202020204" pitchFamily="34" charset="0"/>
-                <a:ea typeface="Google Sans"/>
-              </a:rPr>
-              <a:t>탑골</a:t>
-            </a:r>
-            <a:r>
-              <a:rPr kumimoji="0" lang="ko-KR" altLang="ko-KR" sz="1300" b="0" i="0" u="none" strike="noStrike" cap="none" normalizeH="0" baseline="0" dirty="0">
-                <a:ln>
-                  <a:noFill/>
-                </a:ln>
-                <a:solidFill>
-                  <a:srgbClr val="0A0A0A"/>
-                </a:solidFill>
-                <a:effectLst/>
-                <a:latin typeface="Arial" panose="020B0604020202020204" pitchFamily="34" charset="0"/>
-                <a:ea typeface="Google Sans"/>
-              </a:rPr>
-              <a:t> 공원 인근의 종로3가 역이 아닌 </a:t>
-            </a:r>
-            <a:r>
-              <a:rPr kumimoji="0" lang="ko-KR" altLang="ko-KR" sz="1300" b="1" i="0" u="none" strike="noStrike" cap="none" normalizeH="0" baseline="0" dirty="0">
-                <a:ln>
-                  <a:noFill/>
-                </a:ln>
-                <a:solidFill>
-                  <a:srgbClr val="0A0A0A"/>
-                </a:solidFill>
-                <a:effectLst/>
-                <a:latin typeface="Arial" panose="020B0604020202020204" pitchFamily="34" charset="0"/>
-                <a:ea typeface="Google Sans"/>
-              </a:rPr>
-              <a:t>청량리역</a:t>
-            </a:r>
-            <a:r>
-              <a:rPr kumimoji="0" lang="ko-KR" altLang="ko-KR" sz="1300" b="0" i="0" u="none" strike="noStrike" cap="none" normalizeH="0" baseline="0" dirty="0">
-                <a:ln>
-                  <a:noFill/>
-                </a:ln>
-                <a:solidFill>
-                  <a:srgbClr val="0A0A0A"/>
-                </a:solidFill>
-                <a:effectLst/>
-                <a:latin typeface="Arial" panose="020B0604020202020204" pitchFamily="34" charset="0"/>
-                <a:ea typeface="Google Sans"/>
-              </a:rPr>
-              <a:t>과 </a:t>
-            </a:r>
-            <a:r>
-              <a:rPr kumimoji="0" lang="ko-KR" altLang="ko-KR" sz="1300" b="1" i="0" u="none" strike="noStrike" cap="none" normalizeH="0" baseline="0" dirty="0">
-                <a:ln>
-                  <a:noFill/>
-                </a:ln>
-                <a:solidFill>
-                  <a:srgbClr val="0A0A0A"/>
-                </a:solidFill>
-                <a:effectLst/>
-                <a:latin typeface="Arial" panose="020B0604020202020204" pitchFamily="34" charset="0"/>
-                <a:ea typeface="Google Sans"/>
-              </a:rPr>
-              <a:t>제기동역</a:t>
-            </a:r>
-            <a:r>
-              <a:rPr kumimoji="0" lang="ko-KR" altLang="ko-KR" sz="1300" b="0" i="0" u="none" strike="noStrike" cap="none" normalizeH="0" baseline="0" dirty="0">
-                <a:ln>
-                  <a:noFill/>
-                </a:ln>
-                <a:solidFill>
-                  <a:srgbClr val="0A0A0A"/>
-                </a:solidFill>
-                <a:effectLst/>
-                <a:latin typeface="Arial" panose="020B0604020202020204" pitchFamily="34" charset="0"/>
-                <a:ea typeface="Google Sans"/>
-              </a:rPr>
-              <a:t>으로 나타났습니다.</a:t>
-            </a:r>
-          </a:p>
-          <a:p>
-            <a:pPr marL="0" marR="0" lvl="0" indent="0" algn="l" defTabSz="914400" rtl="0" eaLnBrk="0" fontAlgn="base" latinLnBrk="0" hangingPunct="0">
-              <a:lnSpc>
-                <a:spcPct val="100000"/>
-              </a:lnSpc>
-              <a:spcBef>
-                <a:spcPct val="0"/>
-              </a:spcBef>
-              <a:spcAft>
-                <a:spcPct val="0"/>
-              </a:spcAft>
-              <a:buClrTx/>
-              <a:buSzTx/>
-              <a:buFontTx/>
-              <a:buChar char="•"/>
-              <a:tabLst/>
-            </a:pPr>
-            <a:r>
-              <a:rPr kumimoji="0" lang="ko-KR" altLang="ko-KR" sz="1300" b="1" i="0" u="none" strike="noStrike" cap="none" normalizeH="0" baseline="0" dirty="0">
-                <a:ln>
-                  <a:noFill/>
-                </a:ln>
-                <a:solidFill>
-                  <a:srgbClr val="0A0A0A"/>
-                </a:solidFill>
-                <a:effectLst/>
-                <a:latin typeface="Arial" panose="020B0604020202020204" pitchFamily="34" charset="0"/>
-                <a:ea typeface="Google Sans"/>
-              </a:rPr>
-              <a:t>지역 특성:</a:t>
-            </a:r>
-            <a:r>
-              <a:rPr kumimoji="0" lang="ko-KR" altLang="ko-KR" sz="1300" b="0" i="0" u="none" strike="noStrike" cap="none" normalizeH="0" baseline="0" dirty="0">
-                <a:ln>
-                  <a:noFill/>
-                </a:ln>
-                <a:solidFill>
-                  <a:srgbClr val="0A0A0A"/>
-                </a:solidFill>
-                <a:effectLst/>
-                <a:latin typeface="Arial" panose="020B0604020202020204" pitchFamily="34" charset="0"/>
-                <a:ea typeface="Google Sans"/>
-              </a:rPr>
-              <a:t> 청량리역과 제기동역 사이에는 </a:t>
-            </a:r>
-            <a:r>
-              <a:rPr kumimoji="0" lang="ko-KR" altLang="ko-KR" sz="1300" b="0" i="0" u="none" strike="noStrike" cap="none" normalizeH="0" baseline="0" dirty="0" err="1">
-                <a:ln>
-                  <a:noFill/>
-                </a:ln>
-                <a:solidFill>
-                  <a:srgbClr val="0A0A0A"/>
-                </a:solidFill>
-                <a:effectLst/>
-                <a:latin typeface="Arial" panose="020B0604020202020204" pitchFamily="34" charset="0"/>
-                <a:ea typeface="Google Sans"/>
-              </a:rPr>
-              <a:t>서울약령시장</a:t>
-            </a:r>
-            <a:r>
-              <a:rPr kumimoji="0" lang="ko-KR" altLang="ko-KR" sz="1300" b="0" i="0" u="none" strike="noStrike" cap="none" normalizeH="0" baseline="0" dirty="0">
-                <a:ln>
-                  <a:noFill/>
-                </a:ln>
-                <a:solidFill>
-                  <a:srgbClr val="0A0A0A"/>
-                </a:solidFill>
-                <a:effectLst/>
-                <a:latin typeface="Arial" panose="020B0604020202020204" pitchFamily="34" charset="0"/>
-                <a:ea typeface="Google Sans"/>
-              </a:rPr>
-              <a:t>, 청량리종합도매시장, 경동시장 </a:t>
-            </a:r>
-            <a:r>
-              <a:rPr kumimoji="0" lang="ko-KR" altLang="ko-KR" sz="1300" b="0" i="0" u="none" strike="noStrike" cap="none" normalizeH="0" baseline="0" dirty="0" err="1">
-                <a:ln>
-                  <a:noFill/>
-                </a:ln>
-                <a:solidFill>
-                  <a:srgbClr val="0A0A0A"/>
-                </a:solidFill>
-                <a:effectLst/>
-                <a:latin typeface="Arial" panose="020B0604020202020204" pitchFamily="34" charset="0"/>
-                <a:ea typeface="Google Sans"/>
-              </a:rPr>
-              <a:t>청년몰</a:t>
-            </a:r>
-            <a:r>
-              <a:rPr kumimoji="0" lang="ko-KR" altLang="ko-KR" sz="1300" b="0" i="0" u="none" strike="noStrike" cap="none" normalizeH="0" baseline="0" dirty="0">
-                <a:ln>
-                  <a:noFill/>
-                </a:ln>
-                <a:solidFill>
-                  <a:srgbClr val="0A0A0A"/>
-                </a:solidFill>
-                <a:effectLst/>
-                <a:latin typeface="Arial" panose="020B0604020202020204" pitchFamily="34" charset="0"/>
-                <a:ea typeface="Google Sans"/>
-              </a:rPr>
-              <a:t> 등 3곳의 대형 시장이 위치해 있었습니다.</a:t>
-            </a:r>
-          </a:p>
-          <a:p>
-            <a:pPr marL="0" marR="0" lvl="0" indent="0" algn="l" defTabSz="914400" rtl="0" eaLnBrk="0" fontAlgn="base" latinLnBrk="0" hangingPunct="0">
-              <a:lnSpc>
-                <a:spcPct val="100000"/>
-              </a:lnSpc>
-              <a:spcBef>
-                <a:spcPct val="0"/>
-              </a:spcBef>
-              <a:spcAft>
-                <a:spcPct val="0"/>
-              </a:spcAft>
-              <a:buClrTx/>
-              <a:buSzTx/>
-              <a:buFontTx/>
-              <a:buChar char="•"/>
-              <a:tabLst/>
-            </a:pPr>
-            <a:r>
-              <a:rPr kumimoji="0" lang="ko-KR" altLang="ko-KR" sz="1300" b="1" i="0" u="none" strike="noStrike" cap="none" normalizeH="0" baseline="0" dirty="0">
-                <a:ln>
-                  <a:noFill/>
-                </a:ln>
-                <a:solidFill>
-                  <a:srgbClr val="0A0A0A"/>
-                </a:solidFill>
-                <a:effectLst/>
-                <a:latin typeface="Arial" panose="020B0604020202020204" pitchFamily="34" charset="0"/>
-                <a:ea typeface="Google Sans"/>
-              </a:rPr>
-              <a:t>안전 문제:</a:t>
-            </a:r>
-            <a:r>
-              <a:rPr kumimoji="0" lang="ko-KR" altLang="ko-KR" sz="1300" b="0" i="0" u="none" strike="noStrike" cap="none" normalizeH="0" baseline="0" dirty="0">
-                <a:ln>
-                  <a:noFill/>
-                </a:ln>
-                <a:solidFill>
-                  <a:srgbClr val="0A0A0A"/>
-                </a:solidFill>
-                <a:effectLst/>
-                <a:latin typeface="Arial" panose="020B0604020202020204" pitchFamily="34" charset="0"/>
-                <a:ea typeface="Google Sans"/>
-              </a:rPr>
-              <a:t> 지하철 사고 비율은 </a:t>
-            </a:r>
-            <a:r>
-              <a:rPr kumimoji="0" lang="ko-KR" altLang="ko-KR" sz="1300" b="1" i="0" u="none" strike="noStrike" cap="none" normalizeH="0" baseline="0" dirty="0">
-                <a:ln>
-                  <a:noFill/>
-                </a:ln>
-                <a:solidFill>
-                  <a:srgbClr val="0A0A0A"/>
-                </a:solidFill>
-                <a:effectLst/>
-                <a:latin typeface="Arial" panose="020B0604020202020204" pitchFamily="34" charset="0"/>
-                <a:ea typeface="Google Sans"/>
-              </a:rPr>
-              <a:t>종로3가역</a:t>
-            </a:r>
-            <a:r>
-              <a:rPr kumimoji="0" lang="ko-KR" altLang="ko-KR" sz="1300" b="0" i="0" u="none" strike="noStrike" cap="none" normalizeH="0" baseline="0" dirty="0">
-                <a:ln>
-                  <a:noFill/>
-                </a:ln>
-                <a:solidFill>
-                  <a:srgbClr val="0A0A0A"/>
-                </a:solidFill>
-                <a:effectLst/>
-                <a:latin typeface="Arial" panose="020B0604020202020204" pitchFamily="34" charset="0"/>
-                <a:ea typeface="Google Sans"/>
-              </a:rPr>
-              <a:t>에서 가장 높게 나타났으며, 사고 발생 시간대는 우대권 사용자가 많은 시간대(오전 10시~오후 2시)와 대체로 일치했습니다.</a:t>
-            </a:r>
-          </a:p>
-          <a:p>
-            <a:pPr marL="0" marR="0" lvl="0" indent="0" algn="l" defTabSz="914400" rtl="0" eaLnBrk="0" fontAlgn="base" latinLnBrk="0" hangingPunct="0">
-              <a:lnSpc>
-                <a:spcPct val="100000"/>
-              </a:lnSpc>
-              <a:spcBef>
-                <a:spcPct val="0"/>
-              </a:spcBef>
-              <a:spcAft>
-                <a:spcPct val="0"/>
-              </a:spcAft>
-              <a:buClrTx/>
-              <a:buSzTx/>
-              <a:buFontTx/>
-              <a:buChar char="•"/>
-              <a:tabLst/>
-            </a:pPr>
-            <a:r>
-              <a:rPr kumimoji="0" lang="ko-KR" altLang="ko-KR" sz="1300" b="1" i="0" u="none" strike="noStrike" cap="none" normalizeH="0" baseline="0" dirty="0">
-                <a:ln>
-                  <a:noFill/>
-                </a:ln>
-                <a:solidFill>
-                  <a:srgbClr val="0A0A0A"/>
-                </a:solidFill>
-                <a:effectLst/>
-                <a:latin typeface="Arial" panose="020B0604020202020204" pitchFamily="34" charset="0"/>
-                <a:ea typeface="Google Sans"/>
-              </a:rPr>
-              <a:t>이용률 추이:</a:t>
-            </a:r>
-            <a:r>
-              <a:rPr kumimoji="0" lang="ko-KR" altLang="ko-KR" sz="1300" b="0" i="0" u="none" strike="noStrike" cap="none" normalizeH="0" baseline="0" dirty="0">
-                <a:ln>
-                  <a:noFill/>
-                </a:ln>
-                <a:solidFill>
-                  <a:srgbClr val="0A0A0A"/>
-                </a:solidFill>
-                <a:effectLst/>
-                <a:latin typeface="Arial" panose="020B0604020202020204" pitchFamily="34" charset="0"/>
-                <a:ea typeface="Google Sans"/>
-              </a:rPr>
-              <a:t> 전체 이용 비율의 유의미한 변화는 없었으나, 특정 시간대(주로 낮 시간)</a:t>
-            </a:r>
-            <a:r>
-              <a:rPr kumimoji="0" lang="ko-KR" altLang="ko-KR" sz="1300" b="0" i="0" u="none" strike="noStrike" cap="none" normalizeH="0" baseline="0" dirty="0" err="1">
-                <a:ln>
-                  <a:noFill/>
-                </a:ln>
-                <a:solidFill>
-                  <a:srgbClr val="0A0A0A"/>
-                </a:solidFill>
-                <a:effectLst/>
-                <a:latin typeface="Arial" panose="020B0604020202020204" pitchFamily="34" charset="0"/>
-                <a:ea typeface="Google Sans"/>
-              </a:rPr>
-              <a:t>에</a:t>
-            </a:r>
-            <a:r>
-              <a:rPr kumimoji="0" lang="ko-KR" altLang="ko-KR" sz="1300" b="0" i="0" u="none" strike="noStrike" cap="none" normalizeH="0" baseline="0" dirty="0">
-                <a:ln>
-                  <a:noFill/>
-                </a:ln>
-                <a:solidFill>
-                  <a:srgbClr val="0A0A0A"/>
-                </a:solidFill>
-                <a:effectLst/>
-                <a:latin typeface="Arial" panose="020B0604020202020204" pitchFamily="34" charset="0"/>
-                <a:ea typeface="Google Sans"/>
-              </a:rPr>
-              <a:t> 우대권 사용자의 이용 비용이 10~20% 증가했습니다.</a:t>
-            </a:r>
-          </a:p>
-          <a:p>
-            <a:pPr marL="0" marR="0" lvl="0" indent="0" algn="l" defTabSz="914400" rtl="0" eaLnBrk="0" fontAlgn="base" latinLnBrk="0" hangingPunct="0">
-              <a:lnSpc>
-                <a:spcPct val="100000"/>
-              </a:lnSpc>
-              <a:spcBef>
-                <a:spcPct val="0"/>
-              </a:spcBef>
-              <a:spcAft>
-                <a:spcPct val="0"/>
-              </a:spcAft>
-              <a:buClrTx/>
-              <a:buSzTx/>
-              <a:buFontTx/>
-              <a:buNone/>
-              <a:tabLst/>
-            </a:pPr>
-            <a:r>
-              <a:rPr kumimoji="0" lang="ko-KR" altLang="ko-KR" sz="1300" b="1" i="0" u="none" strike="noStrike" cap="none" normalizeH="0" baseline="0" dirty="0">
-                <a:ln>
-                  <a:noFill/>
-                </a:ln>
-                <a:solidFill>
-                  <a:srgbClr val="0A0A0A"/>
-                </a:solidFill>
-                <a:effectLst/>
-                <a:latin typeface="Arial" panose="020B0604020202020204" pitchFamily="34" charset="0"/>
-                <a:ea typeface="Google Sans"/>
-              </a:rPr>
-              <a:t>6. 결론 및 제언 (시사점)</a:t>
-            </a:r>
-            <a:endParaRPr kumimoji="0" lang="ko-KR" altLang="ko-KR" sz="1300" b="0" i="0" u="none" strike="noStrike" cap="none" normalizeH="0" baseline="0" dirty="0">
-              <a:ln>
-                <a:noFill/>
-              </a:ln>
-              <a:solidFill>
-                <a:schemeClr val="tx1"/>
-              </a:solidFill>
-              <a:effectLst/>
-              <a:latin typeface="Arial" panose="020B0604020202020204" pitchFamily="34" charset="0"/>
-            </a:endParaRPr>
-          </a:p>
-          <a:p>
-            <a:pPr marL="0" marR="0" lvl="0" indent="0" algn="l" defTabSz="914400" rtl="0" eaLnBrk="0" fontAlgn="base" latinLnBrk="0" hangingPunct="0">
-              <a:lnSpc>
-                <a:spcPct val="100000"/>
-              </a:lnSpc>
-              <a:spcBef>
-                <a:spcPct val="0"/>
-              </a:spcBef>
-              <a:spcAft>
-                <a:spcPct val="0"/>
-              </a:spcAft>
-              <a:buClrTx/>
-              <a:buSzTx/>
-              <a:buFontTx/>
-              <a:buNone/>
-              <a:tabLst/>
-            </a:pPr>
-            <a:r>
-              <a:rPr kumimoji="0" lang="ko-KR" altLang="ko-KR" sz="1300" b="0" i="0" u="none" strike="noStrike" cap="none" normalizeH="0" baseline="0" dirty="0">
-                <a:ln>
-                  <a:noFill/>
-                </a:ln>
-                <a:solidFill>
-                  <a:srgbClr val="0A0A0A"/>
-                </a:solidFill>
-                <a:effectLst/>
-                <a:latin typeface="Arial" panose="020B0604020202020204" pitchFamily="34" charset="0"/>
-                <a:ea typeface="Google Sans"/>
-              </a:rPr>
-              <a:t>본 분석 결과는 우대권 사용자의 주된 이동 목적이 '</a:t>
-            </a:r>
-            <a:r>
-              <a:rPr kumimoji="0" lang="ko-KR" altLang="ko-KR" sz="1300" b="0" i="0" u="none" strike="noStrike" cap="none" normalizeH="0" baseline="0" dirty="0" err="1">
-                <a:ln>
-                  <a:noFill/>
-                </a:ln>
-                <a:solidFill>
-                  <a:srgbClr val="0A0A0A"/>
-                </a:solidFill>
-                <a:effectLst/>
-                <a:latin typeface="Arial" panose="020B0604020202020204" pitchFamily="34" charset="0"/>
-                <a:ea typeface="Google Sans"/>
-              </a:rPr>
-              <a:t>여가'보다는</a:t>
-            </a:r>
-            <a:r>
-              <a:rPr kumimoji="0" lang="ko-KR" altLang="ko-KR" sz="1300" b="0" i="0" u="none" strike="noStrike" cap="none" normalizeH="0" baseline="0" dirty="0">
-                <a:ln>
-                  <a:noFill/>
-                </a:ln>
-                <a:solidFill>
-                  <a:srgbClr val="0A0A0A"/>
-                </a:solidFill>
-                <a:effectLst/>
-                <a:latin typeface="Arial" panose="020B0604020202020204" pitchFamily="34" charset="0"/>
-                <a:ea typeface="Google Sans"/>
-              </a:rPr>
-              <a:t> '시장 </a:t>
-            </a:r>
-            <a:r>
-              <a:rPr kumimoji="0" lang="ko-KR" altLang="ko-KR" sz="1300" b="0" i="0" u="none" strike="noStrike" cap="none" normalizeH="0" baseline="0" dirty="0" err="1">
-                <a:ln>
-                  <a:noFill/>
-                </a:ln>
-                <a:solidFill>
-                  <a:srgbClr val="0A0A0A"/>
-                </a:solidFill>
-                <a:effectLst/>
-                <a:latin typeface="Arial" panose="020B0604020202020204" pitchFamily="34" charset="0"/>
-                <a:ea typeface="Google Sans"/>
-              </a:rPr>
-              <a:t>이용'과</a:t>
-            </a:r>
-            <a:r>
-              <a:rPr kumimoji="0" lang="ko-KR" altLang="ko-KR" sz="1300" b="0" i="0" u="none" strike="noStrike" cap="none" normalizeH="0" baseline="0" dirty="0">
-                <a:ln>
-                  <a:noFill/>
-                </a:ln>
-                <a:solidFill>
-                  <a:srgbClr val="0A0A0A"/>
-                </a:solidFill>
-                <a:effectLst/>
-                <a:latin typeface="Arial" panose="020B0604020202020204" pitchFamily="34" charset="0"/>
-                <a:ea typeface="Google Sans"/>
-              </a:rPr>
-              <a:t> 같은 실질적인 생활 편의에 있음을 시사합니다.</a:t>
-            </a:r>
-            <a:endParaRPr kumimoji="0" lang="ko-KR" altLang="ko-KR" sz="1300" b="0" i="0" u="none" strike="noStrike" cap="none" normalizeH="0" baseline="0" dirty="0">
-              <a:ln>
-                <a:noFill/>
-              </a:ln>
-              <a:solidFill>
-                <a:schemeClr val="tx1"/>
-              </a:solidFill>
-              <a:effectLst/>
-              <a:latin typeface="Arial" panose="020B0604020202020204" pitchFamily="34" charset="0"/>
-            </a:endParaRPr>
-          </a:p>
-          <a:p>
-            <a:pPr marL="0" marR="0" lvl="0" indent="0" algn="l" defTabSz="914400" rtl="0" eaLnBrk="0" fontAlgn="base" latinLnBrk="0" hangingPunct="0">
-              <a:lnSpc>
-                <a:spcPct val="100000"/>
-              </a:lnSpc>
-              <a:spcBef>
-                <a:spcPct val="0"/>
-              </a:spcBef>
-              <a:spcAft>
-                <a:spcPct val="0"/>
-              </a:spcAft>
-              <a:buClrTx/>
-              <a:buSzTx/>
-              <a:buFontTx/>
-              <a:buChar char="•"/>
-              <a:tabLst/>
-            </a:pPr>
-            <a:r>
-              <a:rPr kumimoji="0" lang="ko-KR" altLang="ko-KR" sz="1300" b="1" i="0" u="none" strike="noStrike" cap="none" normalizeH="0" baseline="0" dirty="0">
-                <a:ln>
-                  <a:noFill/>
-                </a:ln>
-                <a:solidFill>
-                  <a:srgbClr val="0A0A0A"/>
-                </a:solidFill>
-                <a:effectLst/>
-                <a:latin typeface="Arial" panose="020B0604020202020204" pitchFamily="34" charset="0"/>
-                <a:ea typeface="Google Sans"/>
-              </a:rPr>
-              <a:t>지역 시설 확충 제안:</a:t>
-            </a:r>
-            <a:r>
-              <a:rPr kumimoji="0" lang="ko-KR" altLang="ko-KR" sz="1300" b="0" i="0" u="none" strike="noStrike" cap="none" normalizeH="0" baseline="0" dirty="0">
-                <a:ln>
-                  <a:noFill/>
-                </a:ln>
-                <a:solidFill>
-                  <a:srgbClr val="0A0A0A"/>
-                </a:solidFill>
-                <a:effectLst/>
-                <a:latin typeface="Arial" panose="020B0604020202020204" pitchFamily="34" charset="0"/>
-                <a:ea typeface="Google Sans"/>
-              </a:rPr>
-              <a:t> 청량리/제기동 사례를 참고하여, 우대권 사용자 하위 이용 지역구에도 시장, 복지관 등 생활 밀착형 편의 시설을 확충하는 방안을 고려해야 합니다.</a:t>
-            </a:r>
-          </a:p>
-          <a:p>
-            <a:pPr marL="0" marR="0" lvl="0" indent="0" algn="l" defTabSz="914400" rtl="0" eaLnBrk="0" fontAlgn="base" latinLnBrk="0" hangingPunct="0">
-              <a:lnSpc>
-                <a:spcPct val="100000"/>
-              </a:lnSpc>
-              <a:spcBef>
-                <a:spcPct val="0"/>
-              </a:spcBef>
-              <a:spcAft>
-                <a:spcPct val="0"/>
-              </a:spcAft>
-              <a:buClrTx/>
-              <a:buSzTx/>
-              <a:buFontTx/>
-              <a:buChar char="•"/>
-              <a:tabLst/>
-            </a:pPr>
-            <a:r>
-              <a:rPr kumimoji="0" lang="ko-KR" altLang="ko-KR" sz="1300" b="1" i="0" u="none" strike="noStrike" cap="none" normalizeH="0" baseline="0" dirty="0">
-                <a:ln>
-                  <a:noFill/>
-                </a:ln>
-                <a:solidFill>
-                  <a:srgbClr val="0A0A0A"/>
-                </a:solidFill>
-                <a:effectLst/>
-                <a:latin typeface="Arial" panose="020B0604020202020204" pitchFamily="34" charset="0"/>
-                <a:ea typeface="Google Sans"/>
-              </a:rPr>
-              <a:t>안전 관리 강화:</a:t>
-            </a:r>
-            <a:r>
-              <a:rPr kumimoji="0" lang="ko-KR" altLang="ko-KR" sz="1300" b="0" i="0" u="none" strike="noStrike" cap="none" normalizeH="0" baseline="0" dirty="0">
-                <a:ln>
-                  <a:noFill/>
-                </a:ln>
-                <a:solidFill>
-                  <a:srgbClr val="0A0A0A"/>
-                </a:solidFill>
-                <a:effectLst/>
-                <a:latin typeface="Arial" panose="020B0604020202020204" pitchFamily="34" charset="0"/>
-                <a:ea typeface="Google Sans"/>
-              </a:rPr>
-              <a:t> 종로3가역과 같이 사고 다발 지역 및 우대권 사용자 집중 시간대에 안전 인력 배치 및 시설 개선이 시급합니다.</a:t>
-            </a:r>
-          </a:p>
-          <a:p>
-            <a:pPr marL="0" marR="0" lvl="0" indent="0" algn="l" defTabSz="914400" rtl="0" eaLnBrk="0" fontAlgn="base" latinLnBrk="0" hangingPunct="0">
-              <a:lnSpc>
-                <a:spcPct val="100000"/>
-              </a:lnSpc>
-              <a:spcBef>
-                <a:spcPct val="0"/>
-              </a:spcBef>
-              <a:spcAft>
-                <a:spcPct val="0"/>
-              </a:spcAft>
-              <a:buClrTx/>
-              <a:buSzTx/>
-              <a:buFontTx/>
-              <a:buChar char="•"/>
-              <a:tabLst/>
-            </a:pPr>
-            <a:r>
-              <a:rPr kumimoji="0" lang="ko-KR" altLang="ko-KR" sz="1300" b="1" i="0" u="none" strike="noStrike" cap="none" normalizeH="0" baseline="0" dirty="0">
-                <a:ln>
-                  <a:noFill/>
-                </a:ln>
-                <a:solidFill>
-                  <a:srgbClr val="0A0A0A"/>
-                </a:solidFill>
-                <a:effectLst/>
-                <a:latin typeface="Arial" panose="020B0604020202020204" pitchFamily="34" charset="0"/>
-                <a:ea typeface="Google Sans"/>
-              </a:rPr>
-              <a:t>정책 방향:</a:t>
-            </a:r>
-            <a:r>
-              <a:rPr kumimoji="0" lang="ko-KR" altLang="ko-KR" sz="1300" b="0" i="0" u="none" strike="noStrike" cap="none" normalizeH="0" baseline="0" dirty="0">
-                <a:ln>
-                  <a:noFill/>
-                </a:ln>
-                <a:solidFill>
-                  <a:srgbClr val="0A0A0A"/>
-                </a:solidFill>
-                <a:effectLst/>
-                <a:latin typeface="Arial" panose="020B0604020202020204" pitchFamily="34" charset="0"/>
-                <a:ea typeface="Google Sans"/>
-              </a:rPr>
-              <a:t> 단순한 이동 분산 정책보다는 사용자의 실제 수요를 반영한 지역 복지 및 편의 시설 개선이 필요합니다.</a:t>
-            </a:r>
-          </a:p>
-          <a:p>
-            <a:pPr marL="0" marR="0" lvl="0" indent="0" algn="l" defTabSz="914400" rtl="0" eaLnBrk="0" fontAlgn="base" latinLnBrk="0" hangingPunct="0">
-              <a:lnSpc>
-                <a:spcPct val="100000"/>
-              </a:lnSpc>
-              <a:spcBef>
-                <a:spcPct val="0"/>
-              </a:spcBef>
-              <a:spcAft>
-                <a:spcPct val="0"/>
-              </a:spcAft>
-              <a:buClrTx/>
-              <a:buSzTx/>
-              <a:buFontTx/>
-              <a:buNone/>
-              <a:tabLst/>
-            </a:pPr>
-            <a:br>
-              <a:rPr kumimoji="0" lang="ko-KR" altLang="ko-KR" sz="1300" b="0" i="0" u="none" strike="noStrike" cap="none" normalizeH="0" baseline="0" dirty="0">
-                <a:ln>
-                  <a:noFill/>
-                </a:ln>
-                <a:solidFill>
-                  <a:schemeClr val="tx1"/>
-                </a:solidFill>
-                <a:effectLst/>
-                <a:latin typeface="Arial" panose="020B0604020202020204" pitchFamily="34" charset="0"/>
-              </a:rPr>
-            </a:br>
-            <a:endParaRPr kumimoji="0" lang="ko-KR" altLang="ko-KR" sz="1300" b="0" i="0" u="none" strike="noStrike" cap="none" normalizeH="0" baseline="0" dirty="0">
-              <a:ln>
-                <a:noFill/>
-              </a:ln>
-              <a:solidFill>
-                <a:schemeClr val="tx1"/>
-              </a:solidFill>
-              <a:effectLst/>
-              <a:latin typeface="Arial" panose="020B0604020202020204" pitchFamily="34" charset="0"/>
+              <a:latin typeface="Arial"/>
+              <a:ea typeface="+mn-ea"/>
+              <a:cs typeface="+mn-cs"/>
             </a:endParaRPr>
           </a:p>
         </p:txBody>
@@ -8585,44 +8430,44 @@
 </file>
 
 <file path=ppt/theme/theme1.xml><?xml version="1.0" encoding="utf-8"?>
-<a:theme xmlns:a="http://schemas.openxmlformats.org/drawingml/2006/main" name="Office 테마">
+<a:theme xmlns:r="http://schemas.openxmlformats.org/officeDocument/2006/relationships" xmlns:c="http://schemas.openxmlformats.org/drawingml/2006/chart" xmlns:dgm="http://schemas.openxmlformats.org/drawingml/2006/diagram" xmlns:dsp="http://schemas.microsoft.com/office/drawing/2008/diagram" xmlns:a="http://schemas.openxmlformats.org/drawingml/2006/main" xmlns:pic="http://schemas.openxmlformats.org/drawingml/2006/picture" xmlns:wp="http://schemas.openxmlformats.org/drawingml/2006/wordprocessingDrawing" xmlns:xdr="http://schemas.openxmlformats.org/drawingml/2006/spreadsheetDrawing" xmlns:lc="http://schemas.openxmlformats.org/drawingml/2006/lockedCanvas" xmlns:p="http://schemas.openxmlformats.org/presentationml/2006/main" name="Office 테마">
   <a:themeElements>
     <a:clrScheme name="Office">
       <a:dk1>
         <a:sysClr val="windowText" lastClr="000000"/>
       </a:dk1>
       <a:lt1>
-        <a:sysClr val="window" lastClr="FFFFFF"/>
+        <a:sysClr val="window" lastClr="ffffff"/>
       </a:lt1>
       <a:dk2>
-        <a:srgbClr val="44546A"/>
+        <a:srgbClr val="44546a"/>
       </a:dk2>
       <a:lt2>
-        <a:srgbClr val="E7E6E6"/>
+        <a:srgbClr val="e7e6e6"/>
       </a:lt2>
       <a:accent1>
-        <a:srgbClr val="4472C4"/>
+        <a:srgbClr val="4472c4"/>
       </a:accent1>
       <a:accent2>
-        <a:srgbClr val="ED7D31"/>
+        <a:srgbClr val="ed7d31"/>
       </a:accent2>
       <a:accent3>
-        <a:srgbClr val="A5A5A5"/>
+        <a:srgbClr val="a5a5a5"/>
       </a:accent3>
       <a:accent4>
-        <a:srgbClr val="FFC000"/>
+        <a:srgbClr val="ffc000"/>
       </a:accent4>
       <a:accent5>
-        <a:srgbClr val="5B9BD5"/>
+        <a:srgbClr val="5b9bd5"/>
       </a:accent5>
       <a:accent6>
-        <a:srgbClr val="70AD47"/>
+        <a:srgbClr val="70ad47"/>
       </a:accent6>
       <a:hlink>
-        <a:srgbClr val="0563C1"/>
+        <a:srgbClr val="0563c1"/>
       </a:hlink>
       <a:folHlink>
-        <a:srgbClr val="954F72"/>
+        <a:srgbClr val="954f72"/>
       </a:folHlink>
     </a:clrScheme>
     <a:fontScheme name="Office">
@@ -8630,7 +8475,7 @@
         <a:latin typeface="맑은 고딕" panose="020F0302020204030204"/>
         <a:ea typeface=""/>
         <a:cs typeface=""/>
-        <a:font script="Jpan" typeface="游ゴシック Light"/>
+        <a:font script="Jpan" typeface="Yu Gothic Light"/>
         <a:font script="Hang" typeface="맑은 고딕"/>
         <a:font script="Hans" typeface="等线 Light"/>
         <a:font script="Hant" typeface="新細明體"/>
@@ -8682,7 +8527,7 @@
         <a:latin typeface="맑은 고딕" panose="020F0502020204030204"/>
         <a:ea typeface=""/>
         <a:cs typeface=""/>
-        <a:font script="Jpan" typeface="游ゴシック"/>
+        <a:font script="Jpan" typeface="Yu Gothic"/>
         <a:font script="Hang" typeface="맑은 고딕"/>
         <a:font script="Hans" typeface="等线"/>
         <a:font script="Hant" typeface="新細明體"/>
@@ -8795,21 +8640,21 @@
             <a:schemeClr val="phClr"/>
           </a:solidFill>
           <a:prstDash val="solid"/>
-          <a:miter lim="800000"/>
+          <a:miter/>
         </a:ln>
         <a:ln w="12700" cap="flat" cmpd="sng" algn="ctr">
           <a:solidFill>
             <a:schemeClr val="phClr"/>
           </a:solidFill>
           <a:prstDash val="solid"/>
-          <a:miter lim="800000"/>
+          <a:miter/>
         </a:ln>
         <a:ln w="19050" cap="flat" cmpd="sng" algn="ctr">
           <a:solidFill>
             <a:schemeClr val="phClr"/>
           </a:solidFill>
           <a:prstDash val="solid"/>
-          <a:miter lim="800000"/>
+          <a:miter/>
         </a:ln>
       </a:lnStyleLst>
       <a:effectStyleLst>
@@ -8869,12 +8714,5 @@
       </a:bgFillStyleLst>
     </a:fmtScheme>
   </a:themeElements>
-  <a:objectDefaults/>
-  <a:extraClrSchemeLst/>
-  <a:extLst>
-    <a:ext uri="{05A4C25C-085E-4340-85A3-A5531E510DB2}">
-      <thm15:themeFamily xmlns:thm15="http://schemas.microsoft.com/office/thememl/2012/main" name="Office Theme" id="{62F939B6-93AF-4DB8-9C6B-D6C7DFDC589F}" vid="{4A3C46E8-61CC-4603-A589-7422A47A8E4A}"/>
-    </a:ext>
-  </a:extLst>
 </a:theme>
 </file>